--- a/中間ポスター.pptx
+++ b/中間ポスター.pptx
@@ -121,1017 +121,6 @@
     </p:ext>
   </p:extLst>
 </p:presentation>
-</file>
-
-<file path=ppt/charts/chart1.xml><?xml version="1.0" encoding="utf-8"?>
-<c:chartSpace xmlns:c="http://schemas.openxmlformats.org/drawingml/2006/chart" xmlns:a="http://schemas.openxmlformats.org/drawingml/2006/main" xmlns:r="http://schemas.openxmlformats.org/officeDocument/2006/relationships" xmlns:c16r2="http://schemas.microsoft.com/office/drawing/2015/06/chart">
-  <c:date1904 val="0"/>
-  <c:lang val="ja-JP"/>
-  <c:roundedCorners val="0"/>
-  <mc:AlternateContent xmlns:mc="http://schemas.openxmlformats.org/markup-compatibility/2006">
-    <mc:Choice xmlns:c14="http://schemas.microsoft.com/office/drawing/2007/8/2/chart" Requires="c14">
-      <c14:style val="102"/>
-    </mc:Choice>
-    <mc:Fallback>
-      <c:style val="2"/>
-    </mc:Fallback>
-  </mc:AlternateContent>
-  <c:chart>
-    <c:autoTitleDeleted val="1"/>
-    <c:view3D>
-      <c:rotX val="15"/>
-      <c:rotY val="20"/>
-      <c:depthPercent val="100"/>
-      <c:rAngAx val="1"/>
-    </c:view3D>
-    <c:floor>
-      <c:thickness val="0"/>
-      <c:spPr>
-        <a:noFill/>
-        <a:ln>
-          <a:noFill/>
-        </a:ln>
-        <a:effectLst/>
-        <a:sp3d/>
-      </c:spPr>
-    </c:floor>
-    <c:sideWall>
-      <c:thickness val="0"/>
-      <c:spPr>
-        <a:noFill/>
-        <a:ln>
-          <a:noFill/>
-        </a:ln>
-        <a:effectLst/>
-        <a:sp3d/>
-      </c:spPr>
-    </c:sideWall>
-    <c:backWall>
-      <c:thickness val="0"/>
-      <c:spPr>
-        <a:noFill/>
-        <a:ln>
-          <a:noFill/>
-        </a:ln>
-        <a:effectLst/>
-        <a:sp3d/>
-      </c:spPr>
-    </c:backWall>
-    <c:plotArea>
-      <c:layout>
-        <c:manualLayout>
-          <c:layoutTarget val="inner"/>
-          <c:xMode val="edge"/>
-          <c:yMode val="edge"/>
-          <c:x val="0.11714375620264807"/>
-          <c:y val="0.1297417899591243"/>
-          <c:w val="0.87363396509573255"/>
-          <c:h val="0.49444908415399053"/>
-        </c:manualLayout>
-      </c:layout>
-      <c:bar3DChart>
-        <c:barDir val="col"/>
-        <c:grouping val="stacked"/>
-        <c:varyColors val="0"/>
-        <c:ser>
-          <c:idx val="0"/>
-          <c:order val="0"/>
-          <c:tx>
-            <c:strRef>
-              <c:f>Sheet1!$B$1</c:f>
-              <c:strCache>
-                <c:ptCount val="1"/>
-                <c:pt idx="0">
-                  <c:v>Data 1</c:v>
-                </c:pt>
-              </c:strCache>
-            </c:strRef>
-          </c:tx>
-          <c:spPr>
-            <a:solidFill>
-              <a:schemeClr val="accent1"/>
-            </a:solidFill>
-            <a:ln>
-              <a:noFill/>
-            </a:ln>
-            <a:effectLst/>
-            <a:sp3d/>
-          </c:spPr>
-          <c:invertIfNegative val="0"/>
-          <c:cat>
-            <c:strRef>
-              <c:f>Sheet1!$A$2:$A$5</c:f>
-              <c:strCache>
-                <c:ptCount val="4"/>
-                <c:pt idx="0">
-                  <c:v>Case 1</c:v>
-                </c:pt>
-                <c:pt idx="1">
-                  <c:v>Case 2</c:v>
-                </c:pt>
-                <c:pt idx="2">
-                  <c:v>Case 3</c:v>
-                </c:pt>
-                <c:pt idx="3">
-                  <c:v>Case 4</c:v>
-                </c:pt>
-              </c:strCache>
-            </c:strRef>
-          </c:cat>
-          <c:val>
-            <c:numRef>
-              <c:f>Sheet1!$B$2:$B$5</c:f>
-              <c:numCache>
-                <c:formatCode>General</c:formatCode>
-                <c:ptCount val="4"/>
-                <c:pt idx="0">
-                  <c:v>4.3</c:v>
-                </c:pt>
-                <c:pt idx="1">
-                  <c:v>2.5</c:v>
-                </c:pt>
-                <c:pt idx="2">
-                  <c:v>3.5</c:v>
-                </c:pt>
-                <c:pt idx="3">
-                  <c:v>4.5</c:v>
-                </c:pt>
-              </c:numCache>
-            </c:numRef>
-          </c:val>
-          <c:extLst>
-            <c:ext xmlns:c16="http://schemas.microsoft.com/office/drawing/2014/chart" uri="{C3380CC4-5D6E-409C-BE32-E72D297353CC}">
-              <c16:uniqueId val="{00000000-D94F-45D8-8A98-8609FF52EFF8}"/>
-            </c:ext>
-          </c:extLst>
-        </c:ser>
-        <c:ser>
-          <c:idx val="1"/>
-          <c:order val="1"/>
-          <c:tx>
-            <c:strRef>
-              <c:f>Sheet1!$C$1</c:f>
-              <c:strCache>
-                <c:ptCount val="1"/>
-                <c:pt idx="0">
-                  <c:v>Data 2</c:v>
-                </c:pt>
-              </c:strCache>
-            </c:strRef>
-          </c:tx>
-          <c:spPr>
-            <a:solidFill>
-              <a:schemeClr val="accent2"/>
-            </a:solidFill>
-            <a:ln>
-              <a:noFill/>
-            </a:ln>
-            <a:effectLst/>
-            <a:sp3d/>
-          </c:spPr>
-          <c:invertIfNegative val="0"/>
-          <c:cat>
-            <c:strRef>
-              <c:f>Sheet1!$A$2:$A$5</c:f>
-              <c:strCache>
-                <c:ptCount val="4"/>
-                <c:pt idx="0">
-                  <c:v>Case 1</c:v>
-                </c:pt>
-                <c:pt idx="1">
-                  <c:v>Case 2</c:v>
-                </c:pt>
-                <c:pt idx="2">
-                  <c:v>Case 3</c:v>
-                </c:pt>
-                <c:pt idx="3">
-                  <c:v>Case 4</c:v>
-                </c:pt>
-              </c:strCache>
-            </c:strRef>
-          </c:cat>
-          <c:val>
-            <c:numRef>
-              <c:f>Sheet1!$C$2:$C$5</c:f>
-              <c:numCache>
-                <c:formatCode>General</c:formatCode>
-                <c:ptCount val="4"/>
-                <c:pt idx="0">
-                  <c:v>2.4</c:v>
-                </c:pt>
-                <c:pt idx="1">
-                  <c:v>4.4000000000000004</c:v>
-                </c:pt>
-                <c:pt idx="2">
-                  <c:v>1.8</c:v>
-                </c:pt>
-                <c:pt idx="3">
-                  <c:v>2.8</c:v>
-                </c:pt>
-              </c:numCache>
-            </c:numRef>
-          </c:val>
-          <c:extLst>
-            <c:ext xmlns:c16="http://schemas.microsoft.com/office/drawing/2014/chart" uri="{C3380CC4-5D6E-409C-BE32-E72D297353CC}">
-              <c16:uniqueId val="{00000001-D94F-45D8-8A98-8609FF52EFF8}"/>
-            </c:ext>
-          </c:extLst>
-        </c:ser>
-        <c:ser>
-          <c:idx val="2"/>
-          <c:order val="2"/>
-          <c:tx>
-            <c:strRef>
-              <c:f>Sheet1!$D$1</c:f>
-              <c:strCache>
-                <c:ptCount val="1"/>
-                <c:pt idx="0">
-                  <c:v>Data 3</c:v>
-                </c:pt>
-              </c:strCache>
-            </c:strRef>
-          </c:tx>
-          <c:spPr>
-            <a:solidFill>
-              <a:schemeClr val="accent3"/>
-            </a:solidFill>
-            <a:ln>
-              <a:noFill/>
-            </a:ln>
-            <a:effectLst/>
-            <a:sp3d/>
-          </c:spPr>
-          <c:invertIfNegative val="0"/>
-          <c:cat>
-            <c:strRef>
-              <c:f>Sheet1!$A$2:$A$5</c:f>
-              <c:strCache>
-                <c:ptCount val="4"/>
-                <c:pt idx="0">
-                  <c:v>Case 1</c:v>
-                </c:pt>
-                <c:pt idx="1">
-                  <c:v>Case 2</c:v>
-                </c:pt>
-                <c:pt idx="2">
-                  <c:v>Case 3</c:v>
-                </c:pt>
-                <c:pt idx="3">
-                  <c:v>Case 4</c:v>
-                </c:pt>
-              </c:strCache>
-            </c:strRef>
-          </c:cat>
-          <c:val>
-            <c:numRef>
-              <c:f>Sheet1!$D$2:$D$5</c:f>
-              <c:numCache>
-                <c:formatCode>General</c:formatCode>
-                <c:ptCount val="4"/>
-                <c:pt idx="0">
-                  <c:v>3</c:v>
-                </c:pt>
-                <c:pt idx="1">
-                  <c:v>2</c:v>
-                </c:pt>
-                <c:pt idx="2">
-                  <c:v>3</c:v>
-                </c:pt>
-                <c:pt idx="3">
-                  <c:v>5</c:v>
-                </c:pt>
-              </c:numCache>
-            </c:numRef>
-          </c:val>
-          <c:extLst>
-            <c:ext xmlns:c16="http://schemas.microsoft.com/office/drawing/2014/chart" uri="{C3380CC4-5D6E-409C-BE32-E72D297353CC}">
-              <c16:uniqueId val="{00000002-D94F-45D8-8A98-8609FF52EFF8}"/>
-            </c:ext>
-          </c:extLst>
-        </c:ser>
-        <c:dLbls>
-          <c:showLegendKey val="0"/>
-          <c:showVal val="0"/>
-          <c:showCatName val="0"/>
-          <c:showSerName val="0"/>
-          <c:showPercent val="0"/>
-          <c:showBubbleSize val="0"/>
-        </c:dLbls>
-        <c:gapWidth val="150"/>
-        <c:shape val="box"/>
-        <c:axId val="2036978496"/>
-        <c:axId val="2036978912"/>
-        <c:axId val="0"/>
-      </c:bar3DChart>
-      <c:catAx>
-        <c:axId val="2036978496"/>
-        <c:scaling>
-          <c:orientation val="minMax"/>
-        </c:scaling>
-        <c:delete val="0"/>
-        <c:axPos val="b"/>
-        <c:numFmt formatCode="General" sourceLinked="1"/>
-        <c:majorTickMark val="none"/>
-        <c:minorTickMark val="none"/>
-        <c:tickLblPos val="nextTo"/>
-        <c:spPr>
-          <a:noFill/>
-          <a:ln>
-            <a:noFill/>
-          </a:ln>
-          <a:effectLst/>
-        </c:spPr>
-        <c:txPr>
-          <a:bodyPr rot="-60000000" spcFirstLastPara="1" vertOverflow="ellipsis" vert="horz" wrap="square" anchor="ctr" anchorCtr="1"/>
-          <a:lstStyle/>
-          <a:p>
-            <a:pPr>
-              <a:defRPr sz="1197" b="0" i="0" u="none" strike="noStrike" kern="1200" baseline="0">
-                <a:solidFill>
-                  <a:schemeClr val="tx1">
-                    <a:lumMod val="65000"/>
-                    <a:lumOff val="35000"/>
-                  </a:schemeClr>
-                </a:solidFill>
-                <a:latin typeface="Arial" panose="020B0604020202020204" pitchFamily="34" charset="0"/>
-                <a:ea typeface="+mn-ea"/>
-                <a:cs typeface="Arial" panose="020B0604020202020204" pitchFamily="34" charset="0"/>
-              </a:defRPr>
-            </a:pPr>
-            <a:endParaRPr lang="ja-JP"/>
-          </a:p>
-        </c:txPr>
-        <c:crossAx val="2036978912"/>
-        <c:crosses val="autoZero"/>
-        <c:auto val="1"/>
-        <c:lblAlgn val="ctr"/>
-        <c:lblOffset val="100"/>
-        <c:noMultiLvlLbl val="0"/>
-      </c:catAx>
-      <c:valAx>
-        <c:axId val="2036978912"/>
-        <c:scaling>
-          <c:orientation val="minMax"/>
-        </c:scaling>
-        <c:delete val="0"/>
-        <c:axPos val="l"/>
-        <c:majorGridlines>
-          <c:spPr>
-            <a:ln w="9525" cap="flat" cmpd="sng" algn="ctr">
-              <a:solidFill>
-                <a:schemeClr val="tx1">
-                  <a:lumMod val="15000"/>
-                  <a:lumOff val="85000"/>
-                </a:schemeClr>
-              </a:solidFill>
-              <a:round/>
-            </a:ln>
-            <a:effectLst/>
-          </c:spPr>
-        </c:majorGridlines>
-        <c:numFmt formatCode="General" sourceLinked="1"/>
-        <c:majorTickMark val="none"/>
-        <c:minorTickMark val="none"/>
-        <c:tickLblPos val="nextTo"/>
-        <c:spPr>
-          <a:noFill/>
-          <a:ln>
-            <a:noFill/>
-          </a:ln>
-          <a:effectLst/>
-        </c:spPr>
-        <c:txPr>
-          <a:bodyPr rot="-60000000" spcFirstLastPara="1" vertOverflow="ellipsis" vert="horz" wrap="square" anchor="ctr" anchorCtr="1"/>
-          <a:lstStyle/>
-          <a:p>
-            <a:pPr>
-              <a:defRPr sz="1197" b="0" i="0" u="none" strike="noStrike" kern="1200" baseline="0">
-                <a:solidFill>
-                  <a:schemeClr val="tx1">
-                    <a:lumMod val="65000"/>
-                    <a:lumOff val="35000"/>
-                  </a:schemeClr>
-                </a:solidFill>
-                <a:latin typeface="Arial" panose="020B0604020202020204" pitchFamily="34" charset="0"/>
-                <a:ea typeface="+mn-ea"/>
-                <a:cs typeface="Arial" panose="020B0604020202020204" pitchFamily="34" charset="0"/>
-              </a:defRPr>
-            </a:pPr>
-            <a:endParaRPr lang="ja-JP"/>
-          </a:p>
-        </c:txPr>
-        <c:crossAx val="2036978496"/>
-        <c:crosses val="autoZero"/>
-        <c:crossBetween val="between"/>
-      </c:valAx>
-      <c:spPr>
-        <a:noFill/>
-        <a:ln>
-          <a:noFill/>
-        </a:ln>
-        <a:effectLst/>
-      </c:spPr>
-    </c:plotArea>
-    <c:legend>
-      <c:legendPos val="t"/>
-      <c:layout>
-        <c:manualLayout>
-          <c:xMode val="edge"/>
-          <c:yMode val="edge"/>
-          <c:x val="0.29534020768281172"/>
-          <c:y val="5.0449326729900462E-2"/>
-          <c:w val="0.4953939437949314"/>
-          <c:h val="0.13621174004192871"/>
-        </c:manualLayout>
-      </c:layout>
-      <c:overlay val="0"/>
-      <c:spPr>
-        <a:noFill/>
-        <a:ln>
-          <a:noFill/>
-        </a:ln>
-        <a:effectLst/>
-      </c:spPr>
-      <c:txPr>
-        <a:bodyPr rot="0" spcFirstLastPara="1" vertOverflow="ellipsis" vert="horz" wrap="square" anchor="ctr" anchorCtr="1"/>
-        <a:lstStyle/>
-        <a:p>
-          <a:pPr>
-            <a:defRPr sz="1197" b="0" i="0" u="none" strike="noStrike" kern="1200" baseline="0">
-              <a:solidFill>
-                <a:schemeClr val="tx1">
-                  <a:lumMod val="65000"/>
-                  <a:lumOff val="35000"/>
-                </a:schemeClr>
-              </a:solidFill>
-              <a:latin typeface="+mn-lt"/>
-              <a:ea typeface="+mn-ea"/>
-              <a:cs typeface="+mn-cs"/>
-            </a:defRPr>
-          </a:pPr>
-          <a:endParaRPr lang="ja-JP"/>
-        </a:p>
-      </c:txPr>
-    </c:legend>
-    <c:plotVisOnly val="1"/>
-    <c:dispBlanksAs val="gap"/>
-    <c:showDLblsOverMax val="0"/>
-  </c:chart>
-  <c:spPr>
-    <a:noFill/>
-    <a:ln>
-      <a:noFill/>
-    </a:ln>
-    <a:effectLst/>
-  </c:spPr>
-  <c:txPr>
-    <a:bodyPr/>
-    <a:lstStyle/>
-    <a:p>
-      <a:pPr>
-        <a:defRPr/>
-      </a:pPr>
-      <a:endParaRPr lang="ja-JP"/>
-    </a:p>
-  </c:txPr>
-  <c:externalData r:id="rId3">
-    <c:autoUpdate val="0"/>
-  </c:externalData>
-</c:chartSpace>
-</file>
-
-<file path=ppt/charts/colors1.xml><?xml version="1.0" encoding="utf-8"?>
-<cs:colorStyle xmlns:cs="http://schemas.microsoft.com/office/drawing/2012/chartStyle" xmlns:a="http://schemas.openxmlformats.org/drawingml/2006/main" meth="cycle" id="10">
-  <a:schemeClr val="accent1"/>
-  <a:schemeClr val="accent2"/>
-  <a:schemeClr val="accent3"/>
-  <a:schemeClr val="accent4"/>
-  <a:schemeClr val="accent5"/>
-  <a:schemeClr val="accent6"/>
-  <cs:variation/>
-  <cs:variation>
-    <a:lumMod val="60000"/>
-  </cs:variation>
-  <cs:variation>
-    <a:lumMod val="80000"/>
-    <a:lumOff val="20000"/>
-  </cs:variation>
-  <cs:variation>
-    <a:lumMod val="80000"/>
-  </cs:variation>
-  <cs:variation>
-    <a:lumMod val="60000"/>
-    <a:lumOff val="40000"/>
-  </cs:variation>
-  <cs:variation>
-    <a:lumMod val="50000"/>
-  </cs:variation>
-  <cs:variation>
-    <a:lumMod val="70000"/>
-    <a:lumOff val="30000"/>
-  </cs:variation>
-  <cs:variation>
-    <a:lumMod val="70000"/>
-  </cs:variation>
-  <cs:variation>
-    <a:lumMod val="50000"/>
-    <a:lumOff val="50000"/>
-  </cs:variation>
-</cs:colorStyle>
-</file>
-
-<file path=ppt/charts/style1.xml><?xml version="1.0" encoding="utf-8"?>
-<cs:chartStyle xmlns:cs="http://schemas.microsoft.com/office/drawing/2012/chartStyle" xmlns:a="http://schemas.openxmlformats.org/drawingml/2006/main" id="286">
-  <cs:axisTitle>
-    <cs:lnRef idx="0"/>
-    <cs:fillRef idx="0"/>
-    <cs:effectRef idx="0"/>
-    <cs:fontRef idx="minor">
-      <a:schemeClr val="tx1">
-        <a:lumMod val="65000"/>
-        <a:lumOff val="35000"/>
-      </a:schemeClr>
-    </cs:fontRef>
-    <cs:defRPr sz="1330" kern="1200"/>
-  </cs:axisTitle>
-  <cs:categoryAxis>
-    <cs:lnRef idx="0"/>
-    <cs:fillRef idx="0"/>
-    <cs:effectRef idx="0"/>
-    <cs:fontRef idx="minor">
-      <a:schemeClr val="tx1">
-        <a:lumMod val="65000"/>
-        <a:lumOff val="35000"/>
-      </a:schemeClr>
-    </cs:fontRef>
-    <cs:defRPr sz="1197" kern="1200"/>
-  </cs:categoryAxis>
-  <cs:chartArea mods="allowNoFillOverride allowNoLineOverride">
-    <cs:lnRef idx="0"/>
-    <cs:fillRef idx="0"/>
-    <cs:effectRef idx="0"/>
-    <cs:fontRef idx="minor">
-      <a:schemeClr val="tx1"/>
-    </cs:fontRef>
-    <cs:spPr>
-      <a:solidFill>
-        <a:schemeClr val="bg1"/>
-      </a:solidFill>
-      <a:ln w="9525" cap="flat" cmpd="sng" algn="ctr">
-        <a:solidFill>
-          <a:schemeClr val="tx1">
-            <a:lumMod val="15000"/>
-            <a:lumOff val="85000"/>
-          </a:schemeClr>
-        </a:solidFill>
-        <a:round/>
-      </a:ln>
-    </cs:spPr>
-    <cs:defRPr sz="1330" kern="1200"/>
-  </cs:chartArea>
-  <cs:dataLabel>
-    <cs:lnRef idx="0"/>
-    <cs:fillRef idx="0"/>
-    <cs:effectRef idx="0"/>
-    <cs:fontRef idx="minor">
-      <a:schemeClr val="tx1">
-        <a:lumMod val="75000"/>
-        <a:lumOff val="25000"/>
-      </a:schemeClr>
-    </cs:fontRef>
-    <cs:defRPr sz="1197" kern="1200"/>
-  </cs:dataLabel>
-  <cs:dataLabelCallout>
-    <cs:lnRef idx="0"/>
-    <cs:fillRef idx="0"/>
-    <cs:effectRef idx="0"/>
-    <cs:fontRef idx="minor">
-      <a:schemeClr val="dk1">
-        <a:lumMod val="65000"/>
-        <a:lumOff val="35000"/>
-      </a:schemeClr>
-    </cs:fontRef>
-    <cs:spPr>
-      <a:solidFill>
-        <a:schemeClr val="lt1"/>
-      </a:solidFill>
-      <a:ln>
-        <a:solidFill>
-          <a:schemeClr val="dk1">
-            <a:lumMod val="25000"/>
-            <a:lumOff val="75000"/>
-          </a:schemeClr>
-        </a:solidFill>
-      </a:ln>
-    </cs:spPr>
-    <cs:defRPr sz="1197" kern="1200"/>
-    <cs:bodyPr rot="0" spcFirstLastPara="1" vertOverflow="clip" horzOverflow="clip" vert="horz" wrap="square" lIns="36576" tIns="18288" rIns="36576" bIns="18288" anchor="ctr" anchorCtr="1">
-      <a:spAutoFit/>
-    </cs:bodyPr>
-  </cs:dataLabelCallout>
-  <cs:dataPoint>
-    <cs:lnRef idx="0"/>
-    <cs:fillRef idx="1">
-      <cs:styleClr val="auto"/>
-    </cs:fillRef>
-    <cs:effectRef idx="0"/>
-    <cs:fontRef idx="minor">
-      <a:schemeClr val="tx1"/>
-    </cs:fontRef>
-  </cs:dataPoint>
-  <cs:dataPoint3D>
-    <cs:lnRef idx="0"/>
-    <cs:fillRef idx="1">
-      <cs:styleClr val="auto"/>
-    </cs:fillRef>
-    <cs:effectRef idx="0"/>
-    <cs:fontRef idx="minor">
-      <a:schemeClr val="tx1"/>
-    </cs:fontRef>
-  </cs:dataPoint3D>
-  <cs:dataPointLine>
-    <cs:lnRef idx="0">
-      <cs:styleClr val="auto"/>
-    </cs:lnRef>
-    <cs:fillRef idx="1"/>
-    <cs:effectRef idx="0"/>
-    <cs:fontRef idx="minor">
-      <a:schemeClr val="tx1"/>
-    </cs:fontRef>
-    <cs:spPr>
-      <a:ln w="28575" cap="rnd">
-        <a:solidFill>
-          <a:schemeClr val="phClr"/>
-        </a:solidFill>
-        <a:round/>
-      </a:ln>
-    </cs:spPr>
-  </cs:dataPointLine>
-  <cs:dataPointMarker>
-    <cs:lnRef idx="0">
-      <cs:styleClr val="auto"/>
-    </cs:lnRef>
-    <cs:fillRef idx="1">
-      <cs:styleClr val="auto"/>
-    </cs:fillRef>
-    <cs:effectRef idx="0"/>
-    <cs:fontRef idx="minor">
-      <a:schemeClr val="tx1"/>
-    </cs:fontRef>
-    <cs:spPr>
-      <a:ln w="9525">
-        <a:solidFill>
-          <a:schemeClr val="phClr"/>
-        </a:solidFill>
-      </a:ln>
-    </cs:spPr>
-  </cs:dataPointMarker>
-  <cs:dataPointMarkerLayout symbol="circle" size="5"/>
-  <cs:dataPointWireframe>
-    <cs:lnRef idx="0">
-      <cs:styleClr val="auto"/>
-    </cs:lnRef>
-    <cs:fillRef idx="1"/>
-    <cs:effectRef idx="0"/>
-    <cs:fontRef idx="minor">
-      <a:schemeClr val="tx1"/>
-    </cs:fontRef>
-    <cs:spPr>
-      <a:ln w="9525" cap="rnd">
-        <a:solidFill>
-          <a:schemeClr val="phClr"/>
-        </a:solidFill>
-        <a:round/>
-      </a:ln>
-    </cs:spPr>
-  </cs:dataPointWireframe>
-  <cs:dataTable>
-    <cs:lnRef idx="0"/>
-    <cs:fillRef idx="0"/>
-    <cs:effectRef idx="0"/>
-    <cs:fontRef idx="minor">
-      <a:schemeClr val="tx1">
-        <a:lumMod val="65000"/>
-        <a:lumOff val="35000"/>
-      </a:schemeClr>
-    </cs:fontRef>
-    <cs:spPr>
-      <a:noFill/>
-      <a:ln w="9525" cap="flat" cmpd="sng" algn="ctr">
-        <a:solidFill>
-          <a:schemeClr val="tx1">
-            <a:lumMod val="15000"/>
-            <a:lumOff val="85000"/>
-          </a:schemeClr>
-        </a:solidFill>
-        <a:round/>
-      </a:ln>
-    </cs:spPr>
-    <cs:defRPr sz="1197" kern="1200"/>
-  </cs:dataTable>
-  <cs:downBar>
-    <cs:lnRef idx="0"/>
-    <cs:fillRef idx="0"/>
-    <cs:effectRef idx="0"/>
-    <cs:fontRef idx="minor">
-      <a:schemeClr val="tx1"/>
-    </cs:fontRef>
-    <cs:spPr>
-      <a:solidFill>
-        <a:schemeClr val="dk1">
-          <a:lumMod val="75000"/>
-          <a:lumOff val="25000"/>
-        </a:schemeClr>
-      </a:solidFill>
-      <a:ln w="9525" cap="flat" cmpd="sng" algn="ctr">
-        <a:solidFill>
-          <a:schemeClr val="tx1">
-            <a:lumMod val="65000"/>
-            <a:lumOff val="35000"/>
-          </a:schemeClr>
-        </a:solidFill>
-        <a:round/>
-      </a:ln>
-    </cs:spPr>
-  </cs:downBar>
-  <cs:dropLine>
-    <cs:lnRef idx="0"/>
-    <cs:fillRef idx="0"/>
-    <cs:effectRef idx="0"/>
-    <cs:fontRef idx="minor">
-      <a:schemeClr val="tx1"/>
-    </cs:fontRef>
-    <cs:spPr>
-      <a:ln w="9525" cap="flat" cmpd="sng" algn="ctr">
-        <a:solidFill>
-          <a:schemeClr val="tx1">
-            <a:lumMod val="35000"/>
-            <a:lumOff val="65000"/>
-          </a:schemeClr>
-        </a:solidFill>
-        <a:round/>
-      </a:ln>
-    </cs:spPr>
-  </cs:dropLine>
-  <cs:errorBar>
-    <cs:lnRef idx="0"/>
-    <cs:fillRef idx="0"/>
-    <cs:effectRef idx="0"/>
-    <cs:fontRef idx="minor">
-      <a:schemeClr val="tx1"/>
-    </cs:fontRef>
-    <cs:spPr>
-      <a:ln w="9525" cap="flat" cmpd="sng" algn="ctr">
-        <a:solidFill>
-          <a:schemeClr val="tx1">
-            <a:lumMod val="65000"/>
-            <a:lumOff val="35000"/>
-          </a:schemeClr>
-        </a:solidFill>
-        <a:round/>
-      </a:ln>
-    </cs:spPr>
-  </cs:errorBar>
-  <cs:floor>
-    <cs:lnRef idx="0"/>
-    <cs:fillRef idx="0"/>
-    <cs:effectRef idx="0"/>
-    <cs:fontRef idx="minor">
-      <a:schemeClr val="tx1"/>
-    </cs:fontRef>
-    <cs:spPr>
-      <a:noFill/>
-      <a:ln>
-        <a:noFill/>
-      </a:ln>
-    </cs:spPr>
-  </cs:floor>
-  <cs:gridlineMajor>
-    <cs:lnRef idx="0"/>
-    <cs:fillRef idx="0"/>
-    <cs:effectRef idx="0"/>
-    <cs:fontRef idx="minor">
-      <a:schemeClr val="tx1"/>
-    </cs:fontRef>
-    <cs:spPr>
-      <a:ln w="9525" cap="flat" cmpd="sng" algn="ctr">
-        <a:solidFill>
-          <a:schemeClr val="tx1">
-            <a:lumMod val="15000"/>
-            <a:lumOff val="85000"/>
-          </a:schemeClr>
-        </a:solidFill>
-        <a:round/>
-      </a:ln>
-    </cs:spPr>
-  </cs:gridlineMajor>
-  <cs:gridlineMinor>
-    <cs:lnRef idx="0"/>
-    <cs:fillRef idx="0"/>
-    <cs:effectRef idx="0"/>
-    <cs:fontRef idx="minor">
-      <a:schemeClr val="tx1"/>
-    </cs:fontRef>
-    <cs:spPr>
-      <a:ln w="9525" cap="flat" cmpd="sng" algn="ctr">
-        <a:solidFill>
-          <a:schemeClr val="tx1">
-            <a:lumMod val="5000"/>
-            <a:lumOff val="95000"/>
-          </a:schemeClr>
-        </a:solidFill>
-        <a:round/>
-      </a:ln>
-    </cs:spPr>
-  </cs:gridlineMinor>
-  <cs:hiLoLine>
-    <cs:lnRef idx="0"/>
-    <cs:fillRef idx="0"/>
-    <cs:effectRef idx="0"/>
-    <cs:fontRef idx="minor">
-      <a:schemeClr val="tx1"/>
-    </cs:fontRef>
-    <cs:spPr>
-      <a:ln w="9525" cap="flat" cmpd="sng" algn="ctr">
-        <a:solidFill>
-          <a:schemeClr val="tx1">
-            <a:lumMod val="50000"/>
-            <a:lumOff val="50000"/>
-          </a:schemeClr>
-        </a:solidFill>
-        <a:round/>
-      </a:ln>
-    </cs:spPr>
-  </cs:hiLoLine>
-  <cs:leaderLine>
-    <cs:lnRef idx="0"/>
-    <cs:fillRef idx="0"/>
-    <cs:effectRef idx="0"/>
-    <cs:fontRef idx="minor">
-      <a:schemeClr val="tx1"/>
-    </cs:fontRef>
-    <cs:spPr>
-      <a:ln w="9525" cap="flat" cmpd="sng" algn="ctr">
-        <a:solidFill>
-          <a:schemeClr val="tx1">
-            <a:lumMod val="35000"/>
-            <a:lumOff val="65000"/>
-          </a:schemeClr>
-        </a:solidFill>
-        <a:round/>
-      </a:ln>
-    </cs:spPr>
-  </cs:leaderLine>
-  <cs:legend>
-    <cs:lnRef idx="0"/>
-    <cs:fillRef idx="0"/>
-    <cs:effectRef idx="0"/>
-    <cs:fontRef idx="minor">
-      <a:schemeClr val="tx1">
-        <a:lumMod val="65000"/>
-        <a:lumOff val="35000"/>
-      </a:schemeClr>
-    </cs:fontRef>
-    <cs:defRPr sz="1197" kern="1200"/>
-  </cs:legend>
-  <cs:plotArea mods="allowNoFillOverride allowNoLineOverride">
-    <cs:lnRef idx="0"/>
-    <cs:fillRef idx="0"/>
-    <cs:effectRef idx="0"/>
-    <cs:fontRef idx="minor">
-      <a:schemeClr val="tx1"/>
-    </cs:fontRef>
-  </cs:plotArea>
-  <cs:plotArea3D mods="allowNoFillOverride allowNoLineOverride">
-    <cs:lnRef idx="0"/>
-    <cs:fillRef idx="0"/>
-    <cs:effectRef idx="0"/>
-    <cs:fontRef idx="minor">
-      <a:schemeClr val="tx1"/>
-    </cs:fontRef>
-  </cs:plotArea3D>
-  <cs:seriesAxis>
-    <cs:lnRef idx="0"/>
-    <cs:fillRef idx="0"/>
-    <cs:effectRef idx="0"/>
-    <cs:fontRef idx="minor">
-      <a:schemeClr val="tx1">
-        <a:lumMod val="65000"/>
-        <a:lumOff val="35000"/>
-      </a:schemeClr>
-    </cs:fontRef>
-    <cs:defRPr sz="1197" kern="1200"/>
-  </cs:seriesAxis>
-  <cs:seriesLine>
-    <cs:lnRef idx="0"/>
-    <cs:fillRef idx="0"/>
-    <cs:effectRef idx="0"/>
-    <cs:fontRef idx="minor">
-      <a:schemeClr val="tx1"/>
-    </cs:fontRef>
-    <cs:spPr>
-      <a:ln w="9525" cap="flat" cmpd="sng" algn="ctr">
-        <a:solidFill>
-          <a:schemeClr val="tx1">
-            <a:lumMod val="35000"/>
-            <a:lumOff val="65000"/>
-          </a:schemeClr>
-        </a:solidFill>
-        <a:round/>
-      </a:ln>
-    </cs:spPr>
-  </cs:seriesLine>
-  <cs:title>
-    <cs:lnRef idx="0"/>
-    <cs:fillRef idx="0"/>
-    <cs:effectRef idx="0"/>
-    <cs:fontRef idx="minor">
-      <a:schemeClr val="tx1">
-        <a:lumMod val="65000"/>
-        <a:lumOff val="35000"/>
-      </a:schemeClr>
-    </cs:fontRef>
-    <cs:defRPr sz="1862" b="0" kern="1200" spc="0" baseline="0"/>
-  </cs:title>
-  <cs:trendline>
-    <cs:lnRef idx="0">
-      <cs:styleClr val="auto"/>
-    </cs:lnRef>
-    <cs:fillRef idx="0"/>
-    <cs:effectRef idx="0"/>
-    <cs:fontRef idx="minor">
-      <a:schemeClr val="tx1"/>
-    </cs:fontRef>
-    <cs:spPr>
-      <a:ln w="19050" cap="rnd">
-        <a:solidFill>
-          <a:schemeClr val="phClr"/>
-        </a:solidFill>
-        <a:prstDash val="sysDot"/>
-      </a:ln>
-    </cs:spPr>
-  </cs:trendline>
-  <cs:trendlineLabel>
-    <cs:lnRef idx="0"/>
-    <cs:fillRef idx="0"/>
-    <cs:effectRef idx="0"/>
-    <cs:fontRef idx="minor">
-      <a:schemeClr val="tx1">
-        <a:lumMod val="65000"/>
-        <a:lumOff val="35000"/>
-      </a:schemeClr>
-    </cs:fontRef>
-    <cs:defRPr sz="1197" kern="1200"/>
-  </cs:trendlineLabel>
-  <cs:upBar>
-    <cs:lnRef idx="0"/>
-    <cs:fillRef idx="0"/>
-    <cs:effectRef idx="0"/>
-    <cs:fontRef idx="minor">
-      <a:schemeClr val="tx1"/>
-    </cs:fontRef>
-    <cs:spPr>
-      <a:solidFill>
-        <a:schemeClr val="lt1"/>
-      </a:solidFill>
-      <a:ln w="9525" cap="flat" cmpd="sng" algn="ctr">
-        <a:solidFill>
-          <a:schemeClr val="tx1">
-            <a:lumMod val="65000"/>
-            <a:lumOff val="35000"/>
-          </a:schemeClr>
-        </a:solidFill>
-        <a:round/>
-      </a:ln>
-    </cs:spPr>
-  </cs:upBar>
-  <cs:valueAxis>
-    <cs:lnRef idx="0"/>
-    <cs:fillRef idx="0"/>
-    <cs:effectRef idx="0"/>
-    <cs:fontRef idx="minor">
-      <a:schemeClr val="tx1">
-        <a:lumMod val="65000"/>
-        <a:lumOff val="35000"/>
-      </a:schemeClr>
-    </cs:fontRef>
-    <cs:defRPr sz="1197" kern="1200"/>
-  </cs:valueAxis>
-  <cs:wall>
-    <cs:lnRef idx="0"/>
-    <cs:fillRef idx="0"/>
-    <cs:effectRef idx="0"/>
-    <cs:fontRef idx="minor">
-      <a:schemeClr val="tx1"/>
-    </cs:fontRef>
-    <cs:spPr>
-      <a:noFill/>
-      <a:ln>
-        <a:noFill/>
-      </a:ln>
-    </cs:spPr>
-  </cs:wall>
-</cs:chartStyle>
 </file>
 
 <file path=ppt/slideLayouts/slideLayout1.xml><?xml version="1.0" encoding="utf-8"?>
@@ -4394,28 +3383,6 @@
           <a:chExt cx="0" cy="0"/>
         </a:xfrm>
       </p:grpSpPr>
-      <p:graphicFrame>
-        <p:nvGraphicFramePr>
-          <p:cNvPr id="24" name="グラフ 23"/>
-          <p:cNvGraphicFramePr/>
-          <p:nvPr>
-            <p:extLst>
-              <p:ext uri="{D42A27DB-BD31-4B8C-83A1-F6EECF244321}">
-                <p14:modId xmlns:p14="http://schemas.microsoft.com/office/powerpoint/2010/main" val="3227781356"/>
-              </p:ext>
-            </p:extLst>
-          </p:nvPr>
-        </p:nvGraphicFramePr>
-        <p:xfrm>
-          <a:off x="4872606" y="3648798"/>
-          <a:ext cx="4131300" cy="1908000"/>
-        </p:xfrm>
-        <a:graphic>
-          <a:graphicData uri="http://schemas.openxmlformats.org/drawingml/2006/chart">
-            <c:chart xmlns:c="http://schemas.openxmlformats.org/drawingml/2006/chart" xmlns:r="http://schemas.openxmlformats.org/officeDocument/2006/relationships" r:id="rId2"/>
-          </a:graphicData>
-        </a:graphic>
-      </p:graphicFrame>
       <p:sp>
         <p:nvSpPr>
           <p:cNvPr id="2" name="タイトル 1"/>
@@ -4428,7 +3395,7 @@
         </p:nvSpPr>
         <p:spPr>
           <a:xfrm>
-            <a:off x="136221" y="176256"/>
+            <a:off x="125345" y="106225"/>
             <a:ext cx="9350510" cy="1287165"/>
           </a:xfrm>
           <a:ln>
@@ -4449,20 +3416,20 @@
                 <a:latin typeface="Arial" panose="020B0604020202020204" pitchFamily="34" charset="0"/>
                 <a:cs typeface="Arial" panose="020B0604020202020204" pitchFamily="34" charset="0"/>
               </a:rPr>
-              <a:t>Tracking skiers using ? and determining shin parallelism</a:t>
+              <a:t>Tracking skier using ROI and check shin parallelism</a:t>
             </a:r>
             <a:br>
-              <a:rPr kumimoji="1" lang="en-US" altLang="ja-JP" sz="4400">
+              <a:rPr kumimoji="1" lang="en-US" altLang="ja-JP" sz="4400" dirty="0">
                 <a:latin typeface="Arial" panose="020B0604020202020204" pitchFamily="34" charset="0"/>
                 <a:cs typeface="Arial" panose="020B0604020202020204" pitchFamily="34" charset="0"/>
               </a:rPr>
             </a:br>
             <a:r>
-              <a:rPr lang="ja-JP" altLang="en-US" sz="2700">
+              <a:rPr lang="en-US" altLang="ja-JP" sz="2700" dirty="0">
                 <a:latin typeface="Arial" panose="020B0604020202020204" pitchFamily="34" charset="0"/>
                 <a:cs typeface="Arial" panose="020B0604020202020204" pitchFamily="34" charset="0"/>
               </a:rPr>
-              <a:t>？</a:t>
+              <a:t>ROI</a:t>
             </a:r>
             <a:r>
               <a:rPr lang="ja-JP" altLang="en-US" sz="2700" dirty="0">
@@ -4502,7 +3469,7 @@
         <p:spPr>
           <a:xfrm>
             <a:off x="120080" y="1434570"/>
-            <a:ext cx="4446730" cy="936104"/>
+            <a:ext cx="4446730" cy="513466"/>
           </a:xfrm>
           <a:prstGeom prst="rect">
             <a:avLst/>
@@ -4535,22 +3502,8 @@
                 <a:latin typeface="Arial" panose="020B0604020202020204" pitchFamily="34" charset="0"/>
                 <a:cs typeface="Arial" panose="020B0604020202020204" pitchFamily="34" charset="0"/>
               </a:rPr>
-              <a:t>1. Summary of the Research</a:t>
-            </a:r>
-          </a:p>
-          <a:p>
-            <a:pPr algn="l"/>
-            <a:r>
-              <a:rPr lang="en-US" altLang="ja-JP" sz="2000" dirty="0">
-                <a:latin typeface="Arial" panose="020B0604020202020204" pitchFamily="34" charset="0"/>
-                <a:cs typeface="Arial" panose="020B0604020202020204" pitchFamily="34" charset="0"/>
-              </a:rPr>
-              <a:t>  (Motivation/background and Goal)</a:t>
-            </a:r>
-            <a:endParaRPr lang="ja-JP" altLang="en-US" sz="2000" dirty="0">
-              <a:latin typeface="Arial" panose="020B0604020202020204" pitchFamily="34" charset="0"/>
-              <a:cs typeface="Arial" panose="020B0604020202020204" pitchFamily="34" charset="0"/>
-            </a:endParaRPr>
+              <a:t>1. Background and Goal</a:t>
+            </a:r>
           </a:p>
         </p:txBody>
       </p:sp>
@@ -4564,7 +3517,7 @@
         </p:nvSpPr>
         <p:spPr>
           <a:xfrm>
-            <a:off x="120080" y="7244835"/>
+            <a:off x="105644" y="6520205"/>
             <a:ext cx="3519830" cy="670455"/>
           </a:xfrm>
           <a:prstGeom prst="rect">
@@ -4618,7 +3571,7 @@
         <p:spPr>
           <a:xfrm>
             <a:off x="4914309" y="1434570"/>
-            <a:ext cx="4523287" cy="716272"/>
+            <a:ext cx="4523287" cy="549878"/>
           </a:xfrm>
           <a:prstGeom prst="rect">
             <a:avLst/>
@@ -4651,7 +3604,7 @@
                 <a:latin typeface="Arial" panose="020B0604020202020204" pitchFamily="34" charset="0"/>
                 <a:cs typeface="Arial" panose="020B0604020202020204" pitchFamily="34" charset="0"/>
               </a:rPr>
-              <a:t>3. Current Results and Status</a:t>
+              <a:t>3. Current Results</a:t>
             </a:r>
             <a:endParaRPr lang="ja-JP" altLang="en-US" sz="2000" dirty="0">
               <a:latin typeface="Arial" panose="020B0604020202020204" pitchFamily="34" charset="0"/>
@@ -4668,8 +3621,8 @@
         </p:nvSpPr>
         <p:spPr>
           <a:xfrm>
-            <a:off x="490628" y="11214483"/>
-            <a:ext cx="4002286" cy="1303316"/>
+            <a:off x="490628" y="11508189"/>
+            <a:ext cx="4002286" cy="1009610"/>
           </a:xfrm>
           <a:prstGeom prst="rect">
             <a:avLst/>
@@ -4834,8 +3787,8 @@
         </p:nvSpPr>
         <p:spPr>
           <a:xfrm>
-            <a:off x="336104" y="2226658"/>
-            <a:ext cx="3837438" cy="1892826"/>
+            <a:off x="336104" y="1935041"/>
+            <a:ext cx="3837438" cy="4755148"/>
           </a:xfrm>
           <a:prstGeom prst="rect">
             <a:avLst/>
@@ -4854,125 +3807,59 @@
               </a:spcAft>
             </a:pPr>
             <a:r>
-              <a:rPr kumimoji="1" lang="en-US" altLang="ja-JP" sz="1600" i="1" dirty="0">
-                <a:solidFill>
-                  <a:schemeClr val="tx1">
-                    <a:lumMod val="50000"/>
-                    <a:lumOff val="50000"/>
-                  </a:schemeClr>
-                </a:solidFill>
+              <a:rPr lang="en-US" altLang="ja-JP" sz="1600" dirty="0">
                 <a:latin typeface="Arial" panose="020B0604020202020204" pitchFamily="34" charset="0"/>
                 <a:cs typeface="Arial" panose="020B0604020202020204" pitchFamily="34" charset="0"/>
               </a:rPr>
-              <a:t>In this section, please describe your research objective(s).</a:t>
+              <a:t>I ski as a hobby.</a:t>
+            </a:r>
+          </a:p>
+          <a:p>
+            <a:pPr>
+              <a:spcAft>
+                <a:spcPts val="600"/>
+              </a:spcAft>
+            </a:pPr>
+            <a:r>
+              <a:rPr lang="en-US" altLang="ja-JP" sz="1600" dirty="0">
+                <a:latin typeface="Arial" panose="020B0604020202020204" pitchFamily="34" charset="0"/>
+                <a:cs typeface="Arial" panose="020B0604020202020204" pitchFamily="34" charset="0"/>
+              </a:rPr>
+              <a:t>When I watch videos of my own ski runs, checking things like the execution of parallel turns, pole work, upper body positioning, and speed can be quite difficult and time-consuming.</a:t>
+            </a:r>
+          </a:p>
+          <a:p>
+            <a:pPr>
+              <a:spcAft>
+                <a:spcPts val="600"/>
+              </a:spcAft>
+            </a:pPr>
+            <a:r>
+              <a:rPr lang="en-US" altLang="ja-JP" sz="1600" dirty="0">
+                <a:latin typeface="Arial" panose="020B0604020202020204" pitchFamily="34" charset="0"/>
+                <a:cs typeface="Arial" panose="020B0604020202020204" pitchFamily="34" charset="0"/>
+              </a:rPr>
+              <a:t>In particular, intermediate skiers who have become somewhat proficient in parallel turns often experience a knock-knee, where their upper body momentarily lags behind and they lose parallel shins.</a:t>
+            </a:r>
+          </a:p>
+          <a:p>
+            <a:pPr>
+              <a:spcAft>
+                <a:spcPts val="600"/>
+              </a:spcAft>
+            </a:pPr>
+            <a:r>
+              <a:rPr lang="en-US" altLang="ja-JP" sz="1600" dirty="0">
+                <a:latin typeface="Arial" panose="020B0604020202020204" pitchFamily="34" charset="0"/>
+                <a:cs typeface="Arial" panose="020B0604020202020204" pitchFamily="34" charset="0"/>
+              </a:rPr>
+              <a:t>The goal of my research is to develop a system that makes such momentary mistakes more easily visible, and to have skiers use it to help them identify their mistakes and further improve their technique.</a:t>
             </a:r>
             <a:endParaRPr kumimoji="1" lang="en-US" altLang="ja-JP" sz="1600" dirty="0">
               <a:latin typeface="Arial" panose="020B0604020202020204" pitchFamily="34" charset="0"/>
               <a:cs typeface="Arial" panose="020B0604020202020204" pitchFamily="34" charset="0"/>
             </a:endParaRPr>
           </a:p>
-          <a:p>
-            <a:pPr marL="185738" indent="-185738">
-              <a:buFont typeface="Arial"/>
-              <a:buChar char="•"/>
-            </a:pPr>
-            <a:r>
-              <a:rPr kumimoji="1" lang="en-US" altLang="ja-JP" sz="1600" dirty="0">
-                <a:latin typeface="Arial" panose="020B0604020202020204" pitchFamily="34" charset="0"/>
-                <a:cs typeface="Arial" panose="020B0604020202020204" pitchFamily="34" charset="0"/>
-              </a:rPr>
-              <a:t>The goal of this study is …</a:t>
-            </a:r>
-          </a:p>
-          <a:p>
-            <a:pPr marL="185738" indent="-185738">
-              <a:buFont typeface="Arial"/>
-              <a:buChar char="•"/>
-            </a:pPr>
-            <a:r>
-              <a:rPr lang="en-US" altLang="ja-JP" sz="1600" dirty="0">
-                <a:latin typeface="Arial" panose="020B0604020202020204" pitchFamily="34" charset="0"/>
-                <a:cs typeface="Arial" panose="020B0604020202020204" pitchFamily="34" charset="0"/>
-              </a:rPr>
-              <a:t>This study aims to</a:t>
-            </a:r>
-            <a:r>
-              <a:rPr lang="mr-IN" altLang="ja-JP" sz="1600" dirty="0">
-                <a:latin typeface="Arial" panose="020B0604020202020204" pitchFamily="34" charset="0"/>
-                <a:cs typeface="Arial" panose="020B0604020202020204" pitchFamily="34" charset="0"/>
-              </a:rPr>
-              <a:t>…</a:t>
-            </a:r>
-            <a:endParaRPr lang="en-US" altLang="ja-JP" sz="1600" dirty="0">
-              <a:latin typeface="Arial" panose="020B0604020202020204" pitchFamily="34" charset="0"/>
-              <a:cs typeface="Arial" panose="020B0604020202020204" pitchFamily="34" charset="0"/>
-            </a:endParaRPr>
-          </a:p>
-          <a:p>
-            <a:pPr marL="185738" indent="-185738">
-              <a:buFont typeface="Arial"/>
-              <a:buChar char="•"/>
-            </a:pPr>
-            <a:r>
-              <a:rPr lang="en-US" altLang="ja-JP" sz="1600" dirty="0">
-                <a:latin typeface="Arial" panose="020B0604020202020204" pitchFamily="34" charset="0"/>
-                <a:cs typeface="Arial" panose="020B0604020202020204" pitchFamily="34" charset="0"/>
-              </a:rPr>
-              <a:t>Research objectives are</a:t>
-            </a:r>
-            <a:r>
-              <a:rPr lang="mr-IN" altLang="ja-JP" sz="1600" dirty="0">
-                <a:latin typeface="Arial" panose="020B0604020202020204" pitchFamily="34" charset="0"/>
-                <a:cs typeface="Arial" panose="020B0604020202020204" pitchFamily="34" charset="0"/>
-              </a:rPr>
-              <a:t>…</a:t>
-            </a:r>
-            <a:endParaRPr lang="en-US" altLang="ja-JP" sz="1600" dirty="0">
-              <a:latin typeface="Arial" panose="020B0604020202020204" pitchFamily="34" charset="0"/>
-              <a:cs typeface="Arial" panose="020B0604020202020204" pitchFamily="34" charset="0"/>
-            </a:endParaRPr>
-          </a:p>
-          <a:p>
-            <a:pPr marL="185738" indent="-185738">
-              <a:buFont typeface="Arial"/>
-              <a:buChar char="•"/>
-            </a:pPr>
-            <a:r>
-              <a:rPr lang="en-US" altLang="ja-JP" sz="1600" dirty="0">
-                <a:latin typeface="Arial" panose="020B0604020202020204" pitchFamily="34" charset="0"/>
-                <a:cs typeface="Arial" panose="020B0604020202020204" pitchFamily="34" charset="0"/>
-              </a:rPr>
-              <a:t>Previous studies have shown</a:t>
-            </a:r>
-            <a:r>
-              <a:rPr lang="mr-IN" altLang="ja-JP" sz="1600" dirty="0">
-                <a:latin typeface="Arial" panose="020B0604020202020204" pitchFamily="34" charset="0"/>
-                <a:cs typeface="Arial" panose="020B0604020202020204" pitchFamily="34" charset="0"/>
-              </a:rPr>
-              <a:t>…</a:t>
-            </a:r>
-            <a:endParaRPr lang="en-US" altLang="ja-JP" sz="1600" dirty="0">
-              <a:latin typeface="Arial" panose="020B0604020202020204" pitchFamily="34" charset="0"/>
-              <a:cs typeface="Arial" panose="020B0604020202020204" pitchFamily="34" charset="0"/>
-            </a:endParaRPr>
-          </a:p>
-          <a:p>
-            <a:pPr marL="185738" indent="-185738">
-              <a:buFont typeface="Arial"/>
-              <a:buChar char="•"/>
-            </a:pPr>
-            <a:r>
-              <a:rPr kumimoji="1" lang="en-US" altLang="ja-JP" sz="1600" dirty="0">
-                <a:latin typeface="Arial" panose="020B0604020202020204" pitchFamily="34" charset="0"/>
-                <a:cs typeface="Arial" panose="020B0604020202020204" pitchFamily="34" charset="0"/>
-              </a:rPr>
-              <a:t>What is NEW in your research?</a:t>
-            </a:r>
-            <a:endParaRPr kumimoji="1" lang="ja-JP" altLang="en-US" sz="1600" dirty="0">
-              <a:latin typeface="Arial" panose="020B0604020202020204" pitchFamily="34" charset="0"/>
-              <a:cs typeface="Arial" panose="020B0604020202020204" pitchFamily="34" charset="0"/>
-            </a:endParaRPr>
-          </a:p>
         </p:txBody>
       </p:sp>
       <p:sp>
@@ -4983,8 +3870,8 @@
         </p:nvSpPr>
         <p:spPr>
           <a:xfrm>
-            <a:off x="336104" y="7799481"/>
-            <a:ext cx="3960440" cy="3400931"/>
+            <a:off x="327648" y="7109131"/>
+            <a:ext cx="3960440" cy="3554819"/>
           </a:xfrm>
           <a:prstGeom prst="rect">
             <a:avLst/>
@@ -5006,112 +3893,93 @@
               </a:spcAft>
             </a:pPr>
             <a:r>
-              <a:rPr lang="en-US" altLang="ja-JP" sz="1600" i="1" dirty="0">
-                <a:solidFill>
-                  <a:schemeClr val="tx1">
-                    <a:lumMod val="50000"/>
-                    <a:lumOff val="50000"/>
-                  </a:schemeClr>
-                </a:solidFill>
-                <a:latin typeface="Arial" panose="020B0604020202020204" pitchFamily="34" charset="0"/>
-                <a:cs typeface="Arial" panose="020B0604020202020204" pitchFamily="34" charset="0"/>
-              </a:rPr>
-              <a:t>In this section, please describe specific techniques or experimental strategies used in your research.</a:t>
-            </a:r>
-            <a:endParaRPr lang="en-US" altLang="ja-JP" sz="1600" dirty="0">
-              <a:latin typeface="Arial" panose="020B0604020202020204" pitchFamily="34" charset="0"/>
-              <a:cs typeface="Arial" panose="020B0604020202020204" pitchFamily="34" charset="0"/>
-            </a:endParaRPr>
-          </a:p>
-          <a:p>
-            <a:pPr marL="185738" indent="-185738">
-              <a:lnSpc>
-                <a:spcPts val="1800"/>
-              </a:lnSpc>
-              <a:buFont typeface="Arial"/>
-              <a:buChar char="•"/>
-            </a:pPr>
-            <a:r>
               <a:rPr lang="en-US" altLang="ja-JP" sz="1600" dirty="0">
                 <a:latin typeface="Arial" panose="020B0604020202020204" pitchFamily="34" charset="0"/>
                 <a:cs typeface="Arial" panose="020B0604020202020204" pitchFamily="34" charset="0"/>
               </a:rPr>
-              <a:t>How to solve the problem?</a:t>
-            </a:r>
-          </a:p>
-          <a:p>
-            <a:pPr marL="185738" indent="-185738">
+              <a:t>1. Track the target skier using an ROI.</a:t>
+            </a:r>
+          </a:p>
+          <a:p>
+            <a:pPr>
               <a:lnSpc>
                 <a:spcPts val="1800"/>
               </a:lnSpc>
-              <a:buFont typeface="Arial"/>
-              <a:buChar char="•"/>
+              <a:spcAft>
+                <a:spcPts val="600"/>
+              </a:spcAft>
             </a:pPr>
             <a:r>
               <a:rPr lang="en-US" altLang="ja-JP" sz="1600" dirty="0">
                 <a:latin typeface="Arial" panose="020B0604020202020204" pitchFamily="34" charset="0"/>
                 <a:cs typeface="Arial" panose="020B0604020202020204" pitchFamily="34" charset="0"/>
               </a:rPr>
-              <a:t>Development, </a:t>
-            </a:r>
-            <a:r>
-              <a:rPr kumimoji="1" lang="en-US" altLang="ja-JP" sz="1600" dirty="0">
-                <a:latin typeface="Arial" panose="020B0604020202020204" pitchFamily="34" charset="0"/>
-                <a:cs typeface="Arial" panose="020B0604020202020204" pitchFamily="34" charset="0"/>
-              </a:rPr>
-              <a:t>Experiment(s), Analysis, Research Directions, etc.</a:t>
-            </a:r>
-          </a:p>
-          <a:p>
-            <a:pPr marL="185738" indent="-185738">
+              <a:t>2. Test whether tracking is successful from start to finish.</a:t>
+            </a:r>
+          </a:p>
+          <a:p>
+            <a:pPr>
               <a:lnSpc>
                 <a:spcPts val="1800"/>
               </a:lnSpc>
-              <a:buFont typeface="Arial"/>
-              <a:buChar char="•"/>
+              <a:spcAft>
+                <a:spcPts val="600"/>
+              </a:spcAft>
             </a:pPr>
             <a:r>
               <a:rPr lang="en-US" altLang="ja-JP" sz="1600" dirty="0">
                 <a:latin typeface="Arial" panose="020B0604020202020204" pitchFamily="34" charset="0"/>
                 <a:cs typeface="Arial" panose="020B0604020202020204" pitchFamily="34" charset="0"/>
               </a:rPr>
-              <a:t>For this study, XX was used to explore</a:t>
-            </a:r>
-            <a:r>
-              <a:rPr lang="mr-IN" altLang="ja-JP" sz="1600" dirty="0">
+              <a:t>3. Extract key points for the knees and ankles using Pose estimation model that YOLO (2D) and </a:t>
+            </a:r>
+            <a:r>
+              <a:rPr lang="en-US" altLang="ja-JP" sz="1600" dirty="0" err="1">
                 <a:latin typeface="Arial" panose="020B0604020202020204" pitchFamily="34" charset="0"/>
                 <a:cs typeface="Arial" panose="020B0604020202020204" pitchFamily="34" charset="0"/>
               </a:rPr>
-              <a:t>…</a:t>
-            </a:r>
-            <a:endParaRPr lang="en-US" altLang="ja-JP" sz="1600" dirty="0">
-              <a:latin typeface="Arial" panose="020B0604020202020204" pitchFamily="34" charset="0"/>
-              <a:cs typeface="Arial" panose="020B0604020202020204" pitchFamily="34" charset="0"/>
-            </a:endParaRPr>
+              <a:t>BlazePose</a:t>
+            </a:r>
+            <a:r>
+              <a:rPr lang="en-US" altLang="ja-JP" sz="1600" dirty="0">
+                <a:latin typeface="Arial" panose="020B0604020202020204" pitchFamily="34" charset="0"/>
+                <a:cs typeface="Arial" panose="020B0604020202020204" pitchFamily="34" charset="0"/>
+              </a:rPr>
+              <a:t> (3D) </a:t>
+            </a:r>
           </a:p>
           <a:p>
             <a:pPr>
               <a:lnSpc>
                 <a:spcPts val="1800"/>
               </a:lnSpc>
+              <a:spcAft>
+                <a:spcPts val="600"/>
+              </a:spcAft>
             </a:pPr>
-            <a:endParaRPr lang="en-US" altLang="ja-JP" sz="1600" dirty="0">
-              <a:latin typeface="Arial" panose="020B0604020202020204" pitchFamily="34" charset="0"/>
-              <a:cs typeface="Arial" panose="020B0604020202020204" pitchFamily="34" charset="0"/>
-            </a:endParaRPr>
+            <a:r>
+              <a:rPr lang="en-US" altLang="ja-JP" sz="1600" dirty="0">
+                <a:latin typeface="Arial" panose="020B0604020202020204" pitchFamily="34" charset="0"/>
+                <a:cs typeface="Arial" panose="020B0604020202020204" pitchFamily="34" charset="0"/>
+              </a:rPr>
+              <a:t>4. Create an algorithm to determine whether the shins are parallel or not.</a:t>
+            </a:r>
           </a:p>
           <a:p>
             <a:pPr>
               <a:lnSpc>
                 <a:spcPts val="1800"/>
               </a:lnSpc>
+              <a:spcAft>
+                <a:spcPts val="600"/>
+              </a:spcAft>
             </a:pPr>
             <a:r>
               <a:rPr lang="en-US" altLang="ja-JP" sz="1600" dirty="0">
                 <a:latin typeface="Arial" panose="020B0604020202020204" pitchFamily="34" charset="0"/>
                 <a:cs typeface="Arial" panose="020B0604020202020204" pitchFamily="34" charset="0"/>
               </a:rPr>
-              <a:t>Include some sample sub-section titles;</a:t>
+              <a:t>5. Test whether the algorithm I created performs.</a:t>
             </a:r>
           </a:p>
           <a:p>
@@ -5119,20 +3987,30 @@
               <a:lnSpc>
                 <a:spcPts val="1800"/>
               </a:lnSpc>
+              <a:spcAft>
+                <a:spcPts val="600"/>
+              </a:spcAft>
             </a:pPr>
             <a:r>
               <a:rPr lang="en-US" altLang="ja-JP" sz="1600" dirty="0">
                 <a:latin typeface="Arial" panose="020B0604020202020204" pitchFamily="34" charset="0"/>
                 <a:cs typeface="Arial" panose="020B0604020202020204" pitchFamily="34" charset="0"/>
               </a:rPr>
-              <a:t>2</a:t>
-            </a:r>
-            <a:r>
-              <a:rPr kumimoji="1" lang="en-US" altLang="ja-JP" sz="1600" dirty="0">
+              <a:t>6. Decide YOLO or </a:t>
+            </a:r>
+            <a:r>
+              <a:rPr lang="en-US" altLang="ja-JP" sz="1600" dirty="0" err="1">
                 <a:latin typeface="Arial" panose="020B0604020202020204" pitchFamily="34" charset="0"/>
                 <a:cs typeface="Arial" panose="020B0604020202020204" pitchFamily="34" charset="0"/>
               </a:rPr>
-              <a:t>.1 Development</a:t>
+              <a:t>BlazePose</a:t>
+            </a:r>
+            <a:r>
+              <a:rPr lang="en-US" altLang="ja-JP" sz="1600" dirty="0">
+                <a:latin typeface="Arial" panose="020B0604020202020204" pitchFamily="34" charset="0"/>
+                <a:cs typeface="Arial" panose="020B0604020202020204" pitchFamily="34" charset="0"/>
+              </a:rPr>
+              <a:t> as Pose Estimation model.</a:t>
             </a:r>
           </a:p>
           <a:p>
@@ -5140,41 +4018,16 @@
               <a:lnSpc>
                 <a:spcPts val="1800"/>
               </a:lnSpc>
+              <a:spcAft>
+                <a:spcPts val="600"/>
+              </a:spcAft>
             </a:pPr>
             <a:r>
               <a:rPr lang="en-US" altLang="ja-JP" sz="1600" dirty="0">
                 <a:latin typeface="Arial" panose="020B0604020202020204" pitchFamily="34" charset="0"/>
                 <a:cs typeface="Arial" panose="020B0604020202020204" pitchFamily="34" charset="0"/>
               </a:rPr>
-              <a:t>2.2 Requirements</a:t>
-            </a:r>
-          </a:p>
-          <a:p>
-            <a:pPr>
-              <a:lnSpc>
-                <a:spcPts val="1800"/>
-              </a:lnSpc>
-            </a:pPr>
-            <a:r>
-              <a:rPr lang="en-US" altLang="ja-JP" sz="1600" dirty="0">
-                <a:latin typeface="Arial" panose="020B0604020202020204" pitchFamily="34" charset="0"/>
-                <a:cs typeface="Arial" panose="020B0604020202020204" pitchFamily="34" charset="0"/>
-              </a:rPr>
-              <a:t>2.3 Design (Specifications)</a:t>
-            </a:r>
-          </a:p>
-          <a:p>
-            <a:pPr>
-              <a:lnSpc>
-                <a:spcPts val="1800"/>
-              </a:lnSpc>
-            </a:pPr>
-            <a:r>
-              <a:rPr lang="en-US" altLang="ja-JP" sz="1600" dirty="0">
-                <a:latin typeface="Arial" panose="020B0604020202020204" pitchFamily="34" charset="0"/>
-                <a:cs typeface="Arial" panose="020B0604020202020204" pitchFamily="34" charset="0"/>
-              </a:rPr>
-              <a:t>2.4 Evaluation, etc.</a:t>
+              <a:t>7. Create a user interface.</a:t>
             </a:r>
           </a:p>
         </p:txBody>
@@ -5187,8 +4040,8 @@
         </p:nvSpPr>
         <p:spPr>
           <a:xfrm>
-            <a:off x="5160640" y="1938626"/>
-            <a:ext cx="4006758" cy="1892826"/>
+            <a:off x="5193868" y="1935822"/>
+            <a:ext cx="4006758" cy="1631216"/>
           </a:xfrm>
           <a:prstGeom prst="rect">
             <a:avLst/>
@@ -5208,68 +4061,50 @@
             </a:pPr>
             <a:r>
               <a:rPr lang="en-US" altLang="ja-JP" sz="1600" i="1" dirty="0">
-                <a:solidFill>
-                  <a:srgbClr val="7F7F7F"/>
-                </a:solidFill>
                 <a:latin typeface="Arial" panose="020B0604020202020204" pitchFamily="34" charset="0"/>
                 <a:cs typeface="Arial" panose="020B0604020202020204" pitchFamily="34" charset="0"/>
               </a:rPr>
-              <a:t>In this section, please report on the result of your preliminary study or describe current progress.</a:t>
-            </a:r>
-            <a:endParaRPr kumimoji="1" lang="en-US" altLang="ja-JP" sz="1600" dirty="0">
-              <a:latin typeface="Arial" panose="020B0604020202020204" pitchFamily="34" charset="0"/>
-              <a:cs typeface="Arial" panose="020B0604020202020204" pitchFamily="34" charset="0"/>
-            </a:endParaRPr>
-          </a:p>
-          <a:p>
-            <a:pPr marL="185738" indent="-185738">
-              <a:buFont typeface="Arial" panose="020B0604020202020204" pitchFamily="34" charset="0"/>
-              <a:buChar char="•"/>
+              <a:t>Tracking skier using ROI</a:t>
+            </a:r>
+          </a:p>
+          <a:p>
+            <a:pPr>
+              <a:spcAft>
+                <a:spcPts val="600"/>
+              </a:spcAft>
             </a:pPr>
             <a:r>
-              <a:rPr kumimoji="1" lang="en-US" altLang="ja-JP" sz="1600" dirty="0">
+              <a:rPr lang="en-US" altLang="ja-JP" sz="1600" i="1" dirty="0">
                 <a:latin typeface="Arial" panose="020B0604020202020204" pitchFamily="34" charset="0"/>
                 <a:cs typeface="Arial" panose="020B0604020202020204" pitchFamily="34" charset="0"/>
               </a:rPr>
-              <a:t>Experimental/evaluation results</a:t>
-            </a:r>
-          </a:p>
-          <a:p>
-            <a:pPr marL="185738" indent="-185738">
-              <a:buFont typeface="Arial" panose="020B0604020202020204" pitchFamily="34" charset="0"/>
-              <a:buChar char="•"/>
+              <a:t>Parallel judgement algorithm</a:t>
+            </a:r>
+          </a:p>
+          <a:p>
+            <a:pPr>
+              <a:spcAft>
+                <a:spcPts val="600"/>
+              </a:spcAft>
             </a:pPr>
             <a:r>
-              <a:rPr lang="en-US" altLang="ja-JP" sz="1600" dirty="0">
+              <a:rPr lang="en-US" altLang="ja-JP" sz="1600" i="1" dirty="0">
                 <a:latin typeface="Arial" panose="020B0604020202020204" pitchFamily="34" charset="0"/>
                 <a:cs typeface="Arial" panose="020B0604020202020204" pitchFamily="34" charset="0"/>
               </a:rPr>
-              <a:t>Preliminary results indicate that</a:t>
-            </a:r>
-            <a:r>
-              <a:rPr lang="mr-IN" altLang="ja-JP" sz="1600" dirty="0">
-                <a:latin typeface="Arial" panose="020B0604020202020204" pitchFamily="34" charset="0"/>
-                <a:cs typeface="Arial" panose="020B0604020202020204" pitchFamily="34" charset="0"/>
-              </a:rPr>
-              <a:t>…</a:t>
-            </a:r>
+              <a:t>UI</a:t>
+            </a:r>
+          </a:p>
+          <a:p>
+            <a:pPr>
+              <a:spcAft>
+                <a:spcPts val="600"/>
+              </a:spcAft>
+            </a:pPr>
             <a:endParaRPr lang="en-US" altLang="ja-JP" sz="1600" dirty="0">
               <a:latin typeface="Arial" panose="020B0604020202020204" pitchFamily="34" charset="0"/>
               <a:cs typeface="Arial" panose="020B0604020202020204" pitchFamily="34" charset="0"/>
             </a:endParaRPr>
-          </a:p>
-          <a:p>
-            <a:pPr marL="185738" indent="-185738">
-              <a:buFont typeface="Arial" panose="020B0604020202020204" pitchFamily="34" charset="0"/>
-              <a:buChar char="•"/>
-            </a:pPr>
-            <a:r>
-              <a:rPr lang="en-US" altLang="ja-JP" sz="1600" dirty="0">
-                <a:latin typeface="Arial" panose="020B0604020202020204" pitchFamily="34" charset="0"/>
-                <a:cs typeface="Arial" panose="020B0604020202020204" pitchFamily="34" charset="0"/>
-              </a:rPr>
-              <a:t>Progress of development/formulation</a:t>
-            </a:r>
           </a:p>
           <a:p>
             <a:endParaRPr kumimoji="1" lang="en-US" altLang="ja-JP" sz="1600" dirty="0">
@@ -5394,7 +4229,7 @@
         <p:spPr>
           <a:xfrm>
             <a:off x="5108287" y="7687101"/>
-            <a:ext cx="4182837" cy="2139047"/>
+            <a:ext cx="4182837" cy="984885"/>
           </a:xfrm>
           <a:prstGeom prst="rect">
             <a:avLst/>
@@ -5412,14 +4247,11 @@
               </a:spcAft>
             </a:pPr>
             <a:r>
-              <a:rPr lang="en-US" altLang="ja-JP" sz="1600" i="1" dirty="0">
-                <a:solidFill>
-                  <a:srgbClr val="7F7F7F"/>
-                </a:solidFill>
+              <a:rPr lang="ja-JP" altLang="en-US" sz="1600" dirty="0">
                 <a:latin typeface="Arial" panose="020B0604020202020204" pitchFamily="34" charset="0"/>
                 <a:cs typeface="Arial" panose="020B0604020202020204" pitchFamily="34" charset="0"/>
               </a:rPr>
-              <a:t>In this section, please provide the tentative schedule (milestones) of your research. </a:t>
+              <a:t>パラレル判定関数の改善・テスト</a:t>
             </a:r>
             <a:endParaRPr lang="en-US" altLang="ja-JP" sz="1600" dirty="0">
               <a:latin typeface="Arial" panose="020B0604020202020204" pitchFamily="34" charset="0"/>
@@ -5427,144 +4259,47 @@
             </a:endParaRPr>
           </a:p>
           <a:p>
-            <a:pPr marL="185738" indent="-185738">
-              <a:buFont typeface="Arial" panose="020B0604020202020204" pitchFamily="34" charset="0"/>
-              <a:buChar char="•"/>
+            <a:pPr>
+              <a:spcAft>
+                <a:spcPts val="600"/>
+              </a:spcAft>
+            </a:pPr>
+            <a:r>
+              <a:rPr lang="ja-JP" altLang="en-US" sz="1600" dirty="0">
+                <a:latin typeface="Arial" panose="020B0604020202020204" pitchFamily="34" charset="0"/>
+                <a:cs typeface="Arial" panose="020B0604020202020204" pitchFamily="34" charset="0"/>
+              </a:rPr>
+              <a:t>姿勢推定モデルの決定</a:t>
+            </a:r>
+            <a:endParaRPr lang="en-US" altLang="ja-JP" sz="1600" dirty="0">
+              <a:latin typeface="Arial" panose="020B0604020202020204" pitchFamily="34" charset="0"/>
+              <a:cs typeface="Arial" panose="020B0604020202020204" pitchFamily="34" charset="0"/>
+            </a:endParaRPr>
+          </a:p>
+          <a:p>
+            <a:pPr>
+              <a:spcAft>
+                <a:spcPts val="600"/>
+              </a:spcAft>
             </a:pPr>
             <a:r>
               <a:rPr lang="en-US" altLang="ja-JP" sz="1600" dirty="0">
                 <a:latin typeface="Arial" panose="020B0604020202020204" pitchFamily="34" charset="0"/>
                 <a:cs typeface="Arial" panose="020B0604020202020204" pitchFamily="34" charset="0"/>
               </a:rPr>
-              <a:t>To-do list or Gantt Chart</a:t>
-            </a:r>
-          </a:p>
-          <a:p>
-            <a:pPr marL="185738" indent="-185738">
-              <a:buFont typeface="Arial" panose="020B0604020202020204" pitchFamily="34" charset="0"/>
-              <a:buChar char="•"/>
-            </a:pPr>
-            <a:r>
-              <a:rPr lang="en-US" altLang="ja-JP" sz="1600" dirty="0">
+              <a:t>UI</a:t>
+            </a:r>
+            <a:r>
+              <a:rPr lang="ja-JP" altLang="en-US" sz="1600">
                 <a:latin typeface="Arial" panose="020B0604020202020204" pitchFamily="34" charset="0"/>
                 <a:cs typeface="Arial" panose="020B0604020202020204" pitchFamily="34" charset="0"/>
               </a:rPr>
-              <a:t>Remaining issues</a:t>
-            </a:r>
-          </a:p>
-          <a:p>
-            <a:pPr marL="185738" indent="-185738">
-              <a:buFont typeface="Arial" panose="020B0604020202020204" pitchFamily="34" charset="0"/>
-              <a:buChar char="•"/>
-            </a:pPr>
-            <a:r>
-              <a:rPr lang="en-US" altLang="ja-JP" sz="1600" dirty="0">
-                <a:latin typeface="Arial" panose="020B0604020202020204" pitchFamily="34" charset="0"/>
-                <a:cs typeface="Arial" panose="020B0604020202020204" pitchFamily="34" charset="0"/>
-              </a:rPr>
-              <a:t>Milestones</a:t>
-            </a:r>
-          </a:p>
-          <a:p>
-            <a:pPr marL="185738" indent="-185738">
-              <a:buFont typeface="Arial" panose="020B0604020202020204" pitchFamily="34" charset="0"/>
-              <a:buChar char="•"/>
-            </a:pPr>
-            <a:r>
-              <a:rPr lang="en-US" altLang="ja-JP" sz="1600" dirty="0">
-                <a:latin typeface="Arial" panose="020B0604020202020204" pitchFamily="34" charset="0"/>
-                <a:cs typeface="Arial" panose="020B0604020202020204" pitchFamily="34" charset="0"/>
-              </a:rPr>
-              <a:t>Alternative plans in case some problems occur</a:t>
-            </a:r>
-          </a:p>
-          <a:p>
-            <a:pPr marL="185738" indent="-185738">
-              <a:buFont typeface="Arial" panose="020B0604020202020204" pitchFamily="34" charset="0"/>
-              <a:buChar char="•"/>
-            </a:pPr>
-            <a:r>
-              <a:rPr lang="en-US" altLang="ja-JP" sz="1600" dirty="0">
-                <a:latin typeface="Arial" panose="020B0604020202020204" pitchFamily="34" charset="0"/>
-                <a:cs typeface="Arial" panose="020B0604020202020204" pitchFamily="34" charset="0"/>
-              </a:rPr>
-              <a:t>Discussion (if any)</a:t>
-            </a:r>
-          </a:p>
-        </p:txBody>
-      </p:sp>
-      <p:sp>
-        <p:nvSpPr>
-          <p:cNvPr id="18" name="正方形/長方形 17"/>
-          <p:cNvSpPr/>
-          <p:nvPr/>
-        </p:nvSpPr>
-        <p:spPr>
-          <a:xfrm>
-            <a:off x="5016623" y="5599283"/>
-            <a:ext cx="4036726" cy="1384947"/>
-          </a:xfrm>
-          <a:prstGeom prst="rect">
-            <a:avLst/>
-          </a:prstGeom>
-          <a:noFill/>
-          <a:ln w="9525"/>
-        </p:spPr>
-        <p:style>
-          <a:lnRef idx="2">
-            <a:schemeClr val="accent1">
-              <a:shade val="50000"/>
-            </a:schemeClr>
-          </a:lnRef>
-          <a:fillRef idx="1">
-            <a:schemeClr val="accent1"/>
-          </a:fillRef>
-          <a:effectRef idx="0">
-            <a:schemeClr val="accent1"/>
-          </a:effectRef>
-          <a:fontRef idx="minor">
-            <a:schemeClr val="lt1"/>
-          </a:fontRef>
-        </p:style>
-        <p:txBody>
-          <a:bodyPr rtlCol="0" anchor="ctr"/>
-          <a:lstStyle/>
-          <a:p>
-            <a:pPr algn="ctr"/>
-            <a:r>
-              <a:rPr lang="en-US" altLang="ja-JP" sz="1600" dirty="0">
-                <a:solidFill>
-                  <a:schemeClr val="tx1"/>
-                </a:solidFill>
-                <a:latin typeface="Arial" panose="020B0604020202020204" pitchFamily="34" charset="0"/>
-                <a:cs typeface="Arial" panose="020B0604020202020204" pitchFamily="34" charset="0"/>
-              </a:rPr>
-              <a:t>Table 1. Example of a table caption</a:t>
-            </a:r>
-          </a:p>
-          <a:p>
-            <a:pPr algn="ctr"/>
+              <a:t>の完成</a:t>
+            </a:r>
             <a:endParaRPr lang="en-US" altLang="ja-JP" sz="1600" dirty="0">
-              <a:solidFill>
-                <a:schemeClr val="tx1"/>
-              </a:solidFill>
               <a:latin typeface="Arial" panose="020B0604020202020204" pitchFamily="34" charset="0"/>
               <a:cs typeface="Arial" panose="020B0604020202020204" pitchFamily="34" charset="0"/>
             </a:endParaRPr>
-          </a:p>
-          <a:p>
-            <a:pPr algn="ctr"/>
-            <a:endParaRPr lang="en-US" altLang="ja-JP" sz="1600" dirty="0">
-              <a:solidFill>
-                <a:schemeClr val="tx1"/>
-              </a:solidFill>
-              <a:latin typeface="Arial" panose="020B0604020202020204" pitchFamily="34" charset="0"/>
-              <a:cs typeface="Arial" panose="020B0604020202020204" pitchFamily="34" charset="0"/>
-            </a:endParaRPr>
-          </a:p>
-          <a:p>
-            <a:pPr algn="ctr"/>
-            <a:endParaRPr lang="ja-JP" altLang="ja-JP" dirty="0"/>
           </a:p>
         </p:txBody>
       </p:sp>
@@ -5689,671 +4424,6 @@
           </a:fontRef>
         </p:style>
       </p:cxnSp>
-      <p:sp>
-        <p:nvSpPr>
-          <p:cNvPr id="21" name="正方形/長方形 20"/>
-          <p:cNvSpPr/>
-          <p:nvPr/>
-        </p:nvSpPr>
-        <p:spPr>
-          <a:xfrm>
-            <a:off x="207167" y="4119484"/>
-            <a:ext cx="4449417" cy="3289428"/>
-          </a:xfrm>
-          <a:prstGeom prst="rect">
-            <a:avLst/>
-          </a:prstGeom>
-          <a:solidFill>
-            <a:srgbClr val="FFCCFF"/>
-          </a:solidFill>
-          <a:ln w="9525"/>
-        </p:spPr>
-        <p:style>
-          <a:lnRef idx="2">
-            <a:schemeClr val="accent1">
-              <a:shade val="50000"/>
-            </a:schemeClr>
-          </a:lnRef>
-          <a:fillRef idx="1">
-            <a:schemeClr val="accent1"/>
-          </a:fillRef>
-          <a:effectRef idx="0">
-            <a:schemeClr val="accent1"/>
-          </a:effectRef>
-          <a:fontRef idx="minor">
-            <a:schemeClr val="lt1"/>
-          </a:fontRef>
-        </p:style>
-        <p:txBody>
-          <a:bodyPr rtlCol="0" anchor="ctr"/>
-          <a:lstStyle/>
-          <a:p>
-            <a:r>
-              <a:rPr kumimoji="1" lang="en-US" altLang="ja-JP" sz="2000" dirty="0">
-                <a:solidFill>
-                  <a:schemeClr val="tx1"/>
-                </a:solidFill>
-                <a:latin typeface="Arial" panose="020B0604020202020204" pitchFamily="34" charset="0"/>
-                <a:cs typeface="Arial" panose="020B0604020202020204" pitchFamily="34" charset="0"/>
-              </a:rPr>
-              <a:t>[NOTE]</a:t>
-            </a:r>
-          </a:p>
-          <a:p>
-            <a:pPr marL="179388" indent="-179388">
-              <a:buFont typeface="Arial" panose="020B0604020202020204" pitchFamily="34" charset="0"/>
-              <a:buChar char="•"/>
-            </a:pPr>
-            <a:r>
-              <a:rPr lang="en-US" altLang="ja-JP" sz="1600" i="1" dirty="0">
-                <a:solidFill>
-                  <a:schemeClr val="tx1"/>
-                </a:solidFill>
-                <a:latin typeface="Arial" panose="020B0604020202020204" pitchFamily="34" charset="0"/>
-                <a:cs typeface="Arial" panose="020B0604020202020204" pitchFamily="34" charset="0"/>
-              </a:rPr>
-              <a:t>Font type</a:t>
-            </a:r>
-            <a:r>
-              <a:rPr lang="en-US" altLang="ja-JP" sz="1600" dirty="0">
-                <a:solidFill>
-                  <a:schemeClr val="tx1"/>
-                </a:solidFill>
-                <a:latin typeface="Arial" panose="020B0604020202020204" pitchFamily="34" charset="0"/>
-                <a:cs typeface="Arial" panose="020B0604020202020204" pitchFamily="34" charset="0"/>
-              </a:rPr>
-              <a:t>:</a:t>
-            </a:r>
-            <a:r>
-              <a:rPr lang="en-US" altLang="ja-JP" sz="1600" i="1" dirty="0">
-                <a:solidFill>
-                  <a:schemeClr val="tx1"/>
-                </a:solidFill>
-                <a:latin typeface="Arial" panose="020B0604020202020204" pitchFamily="34" charset="0"/>
-                <a:cs typeface="Arial" panose="020B0604020202020204" pitchFamily="34" charset="0"/>
-              </a:rPr>
-              <a:t> “Arial” or similar fonts </a:t>
-            </a:r>
-          </a:p>
-          <a:p>
-            <a:pPr marL="179388" indent="-179388">
-              <a:buFont typeface="Arial" panose="020B0604020202020204" pitchFamily="34" charset="0"/>
-              <a:buChar char="•"/>
-            </a:pPr>
-            <a:r>
-              <a:rPr lang="en-US" altLang="ja-JP" sz="1600" i="1" dirty="0">
-                <a:solidFill>
-                  <a:schemeClr val="tx1"/>
-                </a:solidFill>
-                <a:latin typeface="Arial" panose="020B0604020202020204" pitchFamily="34" charset="0"/>
-                <a:cs typeface="Arial" panose="020B0604020202020204" pitchFamily="34" charset="0"/>
-              </a:rPr>
-              <a:t>Font size</a:t>
-            </a:r>
-            <a:r>
-              <a:rPr lang="en-US" altLang="ja-JP" sz="1600" dirty="0">
-                <a:solidFill>
-                  <a:schemeClr val="tx1"/>
-                </a:solidFill>
-                <a:latin typeface="Arial" panose="020B0604020202020204" pitchFamily="34" charset="0"/>
-                <a:cs typeface="Arial" panose="020B0604020202020204" pitchFamily="34" charset="0"/>
-              </a:rPr>
-              <a:t>: </a:t>
-            </a:r>
-            <a:r>
-              <a:rPr lang="en-US" altLang="ja-JP" sz="1600" i="1" dirty="0">
-                <a:solidFill>
-                  <a:schemeClr val="tx1"/>
-                </a:solidFill>
-                <a:latin typeface="Arial" panose="020B0604020202020204" pitchFamily="34" charset="0"/>
-                <a:cs typeface="Arial" panose="020B0604020202020204" pitchFamily="34" charset="0"/>
-              </a:rPr>
-              <a:t>16 pt or larger</a:t>
-            </a:r>
-          </a:p>
-          <a:p>
-            <a:pPr marL="179388" indent="-179388">
-              <a:buFont typeface="Arial" panose="020B0604020202020204" pitchFamily="34" charset="0"/>
-              <a:buChar char="•"/>
-            </a:pPr>
-            <a:r>
-              <a:rPr lang="en-US" altLang="ja-JP" sz="1600" i="1" dirty="0">
-                <a:solidFill>
-                  <a:schemeClr val="tx1"/>
-                </a:solidFill>
-                <a:latin typeface="Arial" panose="020B0604020202020204" pitchFamily="34" charset="0"/>
-                <a:cs typeface="Arial" panose="020B0604020202020204" pitchFamily="34" charset="0"/>
-              </a:rPr>
-              <a:t>Style</a:t>
-            </a:r>
-            <a:r>
-              <a:rPr lang="en-US" altLang="ja-JP" sz="1600" dirty="0">
-                <a:solidFill>
-                  <a:schemeClr val="tx1"/>
-                </a:solidFill>
-                <a:latin typeface="Arial" panose="020B0604020202020204" pitchFamily="34" charset="0"/>
-                <a:cs typeface="Arial" panose="020B0604020202020204" pitchFamily="34" charset="0"/>
-              </a:rPr>
-              <a:t>:</a:t>
-            </a:r>
-            <a:r>
-              <a:rPr lang="en-US" altLang="ja-JP" sz="1600" i="1" dirty="0">
-                <a:solidFill>
-                  <a:schemeClr val="tx1"/>
-                </a:solidFill>
-                <a:latin typeface="Arial" panose="020B0604020202020204" pitchFamily="34" charset="0"/>
-                <a:cs typeface="Arial" panose="020B0604020202020204" pitchFamily="34" charset="0"/>
-              </a:rPr>
-              <a:t> Double column &amp; short summary style</a:t>
-            </a:r>
-          </a:p>
-          <a:p>
-            <a:pPr marL="179388" indent="-179388">
-              <a:buFont typeface="Arial" panose="020B0604020202020204" pitchFamily="34" charset="0"/>
-              <a:buChar char="•"/>
-            </a:pPr>
-            <a:r>
-              <a:rPr kumimoji="1" lang="en-US" altLang="ja-JP" sz="1600" i="1" dirty="0">
-                <a:solidFill>
-                  <a:schemeClr val="tx1"/>
-                </a:solidFill>
-                <a:latin typeface="Arial" panose="020B0604020202020204" pitchFamily="34" charset="0"/>
-                <a:cs typeface="Arial" panose="020B0604020202020204" pitchFamily="34" charset="0"/>
-              </a:rPr>
-              <a:t>Do not need to follow this template strictly, but all sections shown in this template must </a:t>
-            </a:r>
-            <a:r>
-              <a:rPr lang="en-US" altLang="ja-JP" sz="1600" i="1" dirty="0">
-                <a:solidFill>
-                  <a:schemeClr val="tx1"/>
-                </a:solidFill>
-                <a:latin typeface="Arial" panose="020B0604020202020204" pitchFamily="34" charset="0"/>
-                <a:cs typeface="Arial" panose="020B0604020202020204" pitchFamily="34" charset="0"/>
-              </a:rPr>
-              <a:t>at least be </a:t>
-            </a:r>
-            <a:r>
-              <a:rPr kumimoji="1" lang="en-US" altLang="ja-JP" sz="1600" i="1" dirty="0">
-                <a:solidFill>
-                  <a:schemeClr val="tx1"/>
-                </a:solidFill>
-                <a:latin typeface="Arial" panose="020B0604020202020204" pitchFamily="34" charset="0"/>
-                <a:cs typeface="Arial" panose="020B0604020202020204" pitchFamily="34" charset="0"/>
-              </a:rPr>
-              <a:t>included.</a:t>
-            </a:r>
-          </a:p>
-          <a:p>
-            <a:pPr marL="179388" indent="-179388">
-              <a:buFont typeface="Arial" panose="020B0604020202020204" pitchFamily="34" charset="0"/>
-              <a:buChar char="•"/>
-            </a:pPr>
-            <a:r>
-              <a:rPr lang="en-US" altLang="ja-JP" sz="1600" i="1" dirty="0">
-                <a:solidFill>
-                  <a:schemeClr val="tx1"/>
-                </a:solidFill>
-                <a:latin typeface="Arial" panose="020B0604020202020204" pitchFamily="34" charset="0"/>
-                <a:cs typeface="Arial" panose="020B0604020202020204" pitchFamily="34" charset="0"/>
-              </a:rPr>
-              <a:t>Do not need to use complete sentences, but make sure that your ideas written in this poster are clear enough to be understood without an oral presentation.</a:t>
-            </a:r>
-          </a:p>
-          <a:p>
-            <a:pPr marL="179388" indent="-179388">
-              <a:buFont typeface="Arial" panose="020B0604020202020204" pitchFamily="34" charset="0"/>
-              <a:buChar char="•"/>
-            </a:pPr>
-            <a:r>
-              <a:rPr lang="en-US" altLang="ja-JP" sz="1600" i="1" dirty="0">
-                <a:solidFill>
-                  <a:schemeClr val="tx1"/>
-                </a:solidFill>
-                <a:latin typeface="Arial" panose="020B0604020202020204" pitchFamily="34" charset="0"/>
-                <a:cs typeface="Arial" panose="020B0604020202020204" pitchFamily="34" charset="0"/>
-              </a:rPr>
-              <a:t>Your supervisor must place his/her seal or signature at the top-right corner.</a:t>
-            </a:r>
-            <a:endParaRPr kumimoji="1" lang="ja-JP" altLang="en-US" sz="1600" i="1" dirty="0">
-              <a:solidFill>
-                <a:schemeClr val="tx1"/>
-              </a:solidFill>
-              <a:latin typeface="Arial" panose="020B0604020202020204" pitchFamily="34" charset="0"/>
-              <a:cs typeface="Arial" panose="020B0604020202020204" pitchFamily="34" charset="0"/>
-            </a:endParaRPr>
-          </a:p>
-        </p:txBody>
-      </p:sp>
-      <p:sp>
-        <p:nvSpPr>
-          <p:cNvPr id="20" name="正方形/長方形 19"/>
-          <p:cNvSpPr/>
-          <p:nvPr/>
-        </p:nvSpPr>
-        <p:spPr>
-          <a:xfrm>
-            <a:off x="5016623" y="3580034"/>
-            <a:ext cx="4036726" cy="1915007"/>
-          </a:xfrm>
-          <a:prstGeom prst="rect">
-            <a:avLst/>
-          </a:prstGeom>
-          <a:noFill/>
-          <a:ln w="9525"/>
-        </p:spPr>
-        <p:style>
-          <a:lnRef idx="2">
-            <a:schemeClr val="accent1">
-              <a:shade val="50000"/>
-            </a:schemeClr>
-          </a:lnRef>
-          <a:fillRef idx="1">
-            <a:schemeClr val="accent1"/>
-          </a:fillRef>
-          <a:effectRef idx="0">
-            <a:schemeClr val="accent1"/>
-          </a:effectRef>
-          <a:fontRef idx="minor">
-            <a:schemeClr val="lt1"/>
-          </a:fontRef>
-        </p:style>
-        <p:txBody>
-          <a:bodyPr rtlCol="0" anchor="ctr"/>
-          <a:lstStyle/>
-          <a:p>
-            <a:pPr algn="ctr"/>
-            <a:endParaRPr kumimoji="1" lang="en-US" altLang="ja-JP" sz="1200" dirty="0">
-              <a:solidFill>
-                <a:schemeClr val="tx1"/>
-              </a:solidFill>
-              <a:latin typeface="Arial" panose="020B0604020202020204" pitchFamily="34" charset="0"/>
-              <a:cs typeface="Arial" panose="020B0604020202020204" pitchFamily="34" charset="0"/>
-            </a:endParaRPr>
-          </a:p>
-          <a:p>
-            <a:pPr algn="ctr"/>
-            <a:endParaRPr lang="en-US" altLang="ja-JP" sz="1200" dirty="0">
-              <a:solidFill>
-                <a:schemeClr val="tx1"/>
-              </a:solidFill>
-              <a:latin typeface="Arial" panose="020B0604020202020204" pitchFamily="34" charset="0"/>
-              <a:cs typeface="Arial" panose="020B0604020202020204" pitchFamily="34" charset="0"/>
-            </a:endParaRPr>
-          </a:p>
-          <a:p>
-            <a:pPr algn="ctr"/>
-            <a:endParaRPr kumimoji="1" lang="en-US" altLang="ja-JP" sz="1200" dirty="0">
-              <a:solidFill>
-                <a:schemeClr val="tx1"/>
-              </a:solidFill>
-              <a:latin typeface="Arial" panose="020B0604020202020204" pitchFamily="34" charset="0"/>
-              <a:cs typeface="Arial" panose="020B0604020202020204" pitchFamily="34" charset="0"/>
-            </a:endParaRPr>
-          </a:p>
-          <a:p>
-            <a:pPr algn="ctr"/>
-            <a:endParaRPr lang="en-US" altLang="ja-JP" sz="1200" dirty="0">
-              <a:solidFill>
-                <a:schemeClr val="tx1"/>
-              </a:solidFill>
-              <a:latin typeface="Arial" panose="020B0604020202020204" pitchFamily="34" charset="0"/>
-              <a:cs typeface="Arial" panose="020B0604020202020204" pitchFamily="34" charset="0"/>
-            </a:endParaRPr>
-          </a:p>
-          <a:p>
-            <a:pPr algn="ctr"/>
-            <a:endParaRPr kumimoji="1" lang="en-US" altLang="ja-JP" sz="1200" dirty="0">
-              <a:solidFill>
-                <a:schemeClr val="tx1"/>
-              </a:solidFill>
-              <a:latin typeface="Arial" panose="020B0604020202020204" pitchFamily="34" charset="0"/>
-              <a:cs typeface="Arial" panose="020B0604020202020204" pitchFamily="34" charset="0"/>
-            </a:endParaRPr>
-          </a:p>
-          <a:p>
-            <a:pPr algn="ctr"/>
-            <a:endParaRPr lang="en-US" altLang="ja-JP" sz="1200" dirty="0">
-              <a:solidFill>
-                <a:schemeClr val="tx1"/>
-              </a:solidFill>
-              <a:latin typeface="Arial" panose="020B0604020202020204" pitchFamily="34" charset="0"/>
-              <a:cs typeface="Arial" panose="020B0604020202020204" pitchFamily="34" charset="0"/>
-            </a:endParaRPr>
-          </a:p>
-          <a:p>
-            <a:pPr algn="ctr"/>
-            <a:endParaRPr kumimoji="1" lang="en-US" altLang="ja-JP" sz="1200" dirty="0">
-              <a:solidFill>
-                <a:schemeClr val="tx1"/>
-              </a:solidFill>
-              <a:latin typeface="Arial" panose="020B0604020202020204" pitchFamily="34" charset="0"/>
-              <a:cs typeface="Arial" panose="020B0604020202020204" pitchFamily="34" charset="0"/>
-            </a:endParaRPr>
-          </a:p>
-          <a:p>
-            <a:pPr algn="ctr"/>
-            <a:endParaRPr kumimoji="1" lang="en-US" altLang="ja-JP" sz="1200" dirty="0">
-              <a:solidFill>
-                <a:schemeClr val="tx1"/>
-              </a:solidFill>
-              <a:latin typeface="Arial" panose="020B0604020202020204" pitchFamily="34" charset="0"/>
-              <a:cs typeface="Arial" panose="020B0604020202020204" pitchFamily="34" charset="0"/>
-            </a:endParaRPr>
-          </a:p>
-          <a:p>
-            <a:pPr algn="ctr"/>
-            <a:r>
-              <a:rPr lang="en-US" altLang="ja-JP" sz="1600" dirty="0">
-                <a:solidFill>
-                  <a:schemeClr val="tx1"/>
-                </a:solidFill>
-                <a:latin typeface="Arial" panose="020B0604020202020204" pitchFamily="34" charset="0"/>
-                <a:cs typeface="Arial" panose="020B0604020202020204" pitchFamily="34" charset="0"/>
-              </a:rPr>
-              <a:t>Fig. 1. Example of a figure caption</a:t>
-            </a:r>
-          </a:p>
-        </p:txBody>
-      </p:sp>
-      <p:graphicFrame>
-        <p:nvGraphicFramePr>
-          <p:cNvPr id="11" name="表 10"/>
-          <p:cNvGraphicFramePr>
-            <a:graphicFrameLocks noGrp="1"/>
-          </p:cNvGraphicFramePr>
-          <p:nvPr>
-            <p:extLst>
-              <p:ext uri="{D42A27DB-BD31-4B8C-83A1-F6EECF244321}">
-                <p14:modId xmlns:p14="http://schemas.microsoft.com/office/powerpoint/2010/main" val="2328631913"/>
-              </p:ext>
-            </p:extLst>
-          </p:nvPr>
-        </p:nvGraphicFramePr>
-        <p:xfrm>
-          <a:off x="5378312" y="6096922"/>
-          <a:ext cx="3313347" cy="743946"/>
-        </p:xfrm>
-        <a:graphic>
-          <a:graphicData uri="http://schemas.openxmlformats.org/drawingml/2006/table">
-            <a:tbl>
-              <a:tblPr firstRow="1" bandRow="1">
-                <a:tableStyleId>{5940675A-B579-460E-94D1-54222C63F5DA}</a:tableStyleId>
-              </a:tblPr>
-              <a:tblGrid>
-                <a:gridCol w="958008">
-                  <a:extLst>
-                    <a:ext uri="{9D8B030D-6E8A-4147-A177-3AD203B41FA5}">
-                      <a16:colId xmlns:a16="http://schemas.microsoft.com/office/drawing/2014/main" val="4249681737"/>
-                    </a:ext>
-                  </a:extLst>
-                </a:gridCol>
-                <a:gridCol w="1152128">
-                  <a:extLst>
-                    <a:ext uri="{9D8B030D-6E8A-4147-A177-3AD203B41FA5}">
-                      <a16:colId xmlns:a16="http://schemas.microsoft.com/office/drawing/2014/main" val="339840370"/>
-                    </a:ext>
-                  </a:extLst>
-                </a:gridCol>
-                <a:gridCol w="1203211">
-                  <a:extLst>
-                    <a:ext uri="{9D8B030D-6E8A-4147-A177-3AD203B41FA5}">
-                      <a16:colId xmlns:a16="http://schemas.microsoft.com/office/drawing/2014/main" val="931929913"/>
-                    </a:ext>
-                  </a:extLst>
-                </a:gridCol>
-              </a:tblGrid>
-              <a:tr h="247982">
-                <a:tc>
-                  <a:txBody>
-                    <a:bodyPr/>
-                    <a:lstStyle/>
-                    <a:p>
-                      <a:pPr algn="ctr"/>
-                      <a:r>
-                        <a:rPr kumimoji="1" lang="en-US" altLang="ja-JP" sz="1300" dirty="0"/>
-                        <a:t>Condition</a:t>
-                      </a:r>
-                      <a:endParaRPr kumimoji="1" lang="ja-JP" altLang="en-US" sz="1300" dirty="0"/>
-                    </a:p>
-                  </a:txBody>
-                  <a:tcPr marL="47332" marR="47332" marT="23667" marB="23667">
-                    <a:lnL w="12700" cmpd="sng">
-                      <a:noFill/>
-                    </a:lnL>
-                    <a:lnB w="28575" cap="flat" cmpd="sng" algn="ctr">
-                      <a:solidFill>
-                        <a:schemeClr val="tx1"/>
-                      </a:solidFill>
-                      <a:prstDash val="solid"/>
-                      <a:round/>
-                      <a:headEnd type="none" w="med" len="med"/>
-                      <a:tailEnd type="none" w="med" len="med"/>
-                    </a:lnB>
-                  </a:tcPr>
-                </a:tc>
-                <a:tc>
-                  <a:txBody>
-                    <a:bodyPr/>
-                    <a:lstStyle/>
-                    <a:p>
-                      <a:pPr algn="ctr"/>
-                      <a:r>
-                        <a:rPr kumimoji="1" lang="en-US" altLang="ja-JP" sz="1300" dirty="0"/>
-                        <a:t>Algorithm</a:t>
-                      </a:r>
-                      <a:r>
-                        <a:rPr kumimoji="1" lang="en-US" altLang="ja-JP" sz="1300" baseline="0" dirty="0"/>
-                        <a:t> 1</a:t>
-                      </a:r>
-                      <a:endParaRPr kumimoji="1" lang="ja-JP" altLang="en-US" sz="1300" dirty="0"/>
-                    </a:p>
-                  </a:txBody>
-                  <a:tcPr marL="47332" marR="47332" marT="23667" marB="23667">
-                    <a:lnB w="28575" cap="flat" cmpd="sng" algn="ctr">
-                      <a:solidFill>
-                        <a:schemeClr val="tx1"/>
-                      </a:solidFill>
-                      <a:prstDash val="solid"/>
-                      <a:round/>
-                      <a:headEnd type="none" w="med" len="med"/>
-                      <a:tailEnd type="none" w="med" len="med"/>
-                    </a:lnB>
-                  </a:tcPr>
-                </a:tc>
-                <a:tc>
-                  <a:txBody>
-                    <a:bodyPr/>
-                    <a:lstStyle/>
-                    <a:p>
-                      <a:pPr algn="ctr"/>
-                      <a:r>
-                        <a:rPr kumimoji="1" lang="en-US" altLang="ja-JP" sz="1300" dirty="0"/>
-                        <a:t>Algorithm</a:t>
-                      </a:r>
-                      <a:r>
-                        <a:rPr kumimoji="1" lang="en-US" altLang="ja-JP" sz="1300" baseline="0" dirty="0"/>
-                        <a:t> 2</a:t>
-                      </a:r>
-                      <a:endParaRPr kumimoji="1" lang="ja-JP" altLang="en-US" sz="1300" dirty="0"/>
-                    </a:p>
-                  </a:txBody>
-                  <a:tcPr marL="47332" marR="47332" marT="23667" marB="23667">
-                    <a:lnR w="12700" cmpd="sng">
-                      <a:noFill/>
-                    </a:lnR>
-                    <a:lnB w="28575" cap="flat" cmpd="sng" algn="ctr">
-                      <a:solidFill>
-                        <a:schemeClr val="tx1"/>
-                      </a:solidFill>
-                      <a:prstDash val="solid"/>
-                      <a:round/>
-                      <a:headEnd type="none" w="med" len="med"/>
-                      <a:tailEnd type="none" w="med" len="med"/>
-                    </a:lnB>
-                  </a:tcPr>
-                </a:tc>
-                <a:extLst>
-                  <a:ext uri="{0D108BD9-81ED-4DB2-BD59-A6C34878D82A}">
-                    <a16:rowId xmlns:a16="http://schemas.microsoft.com/office/drawing/2014/main" val="3276859470"/>
-                  </a:ext>
-                </a:extLst>
-              </a:tr>
-              <a:tr h="247982">
-                <a:tc>
-                  <a:txBody>
-                    <a:bodyPr/>
-                    <a:lstStyle/>
-                    <a:p>
-                      <a:pPr algn="ctr"/>
-                      <a:r>
-                        <a:rPr kumimoji="1" lang="en-US" altLang="ja-JP" sz="1300" dirty="0"/>
-                        <a:t> </a:t>
-                      </a:r>
-                      <a:r>
-                        <a:rPr kumimoji="1" lang="en-US" altLang="ja-JP" sz="1300" baseline="0" dirty="0"/>
-                        <a:t>1</a:t>
-                      </a:r>
-                      <a:endParaRPr kumimoji="1" lang="en-US" altLang="ja-JP" sz="1300" dirty="0"/>
-                    </a:p>
-                  </a:txBody>
-                  <a:tcPr marL="47332" marR="47332" marT="23667" marB="23667">
-                    <a:lnL w="12700" cmpd="sng">
-                      <a:noFill/>
-                    </a:lnL>
-                    <a:lnT w="28575" cap="flat" cmpd="sng" algn="ctr">
-                      <a:solidFill>
-                        <a:schemeClr val="tx1"/>
-                      </a:solidFill>
-                      <a:prstDash val="solid"/>
-                      <a:round/>
-                      <a:headEnd type="none" w="med" len="med"/>
-                      <a:tailEnd type="none" w="med" len="med"/>
-                    </a:lnT>
-                  </a:tcPr>
-                </a:tc>
-                <a:tc>
-                  <a:txBody>
-                    <a:bodyPr/>
-                    <a:lstStyle/>
-                    <a:p>
-                      <a:pPr algn="ctr"/>
-                      <a:r>
-                        <a:rPr kumimoji="1" lang="en-US" altLang="ja-JP" sz="1300" dirty="0"/>
-                        <a:t>1.23</a:t>
-                      </a:r>
-                      <a:endParaRPr kumimoji="1" lang="ja-JP" altLang="en-US" sz="1300" dirty="0"/>
-                    </a:p>
-                  </a:txBody>
-                  <a:tcPr marL="47332" marR="47332" marT="23667" marB="23667">
-                    <a:lnT w="28575" cap="flat" cmpd="sng" algn="ctr">
-                      <a:solidFill>
-                        <a:schemeClr val="tx1"/>
-                      </a:solidFill>
-                      <a:prstDash val="solid"/>
-                      <a:round/>
-                      <a:headEnd type="none" w="med" len="med"/>
-                      <a:tailEnd type="none" w="med" len="med"/>
-                    </a:lnT>
-                  </a:tcPr>
-                </a:tc>
-                <a:tc>
-                  <a:txBody>
-                    <a:bodyPr/>
-                    <a:lstStyle/>
-                    <a:p>
-                      <a:pPr algn="ctr"/>
-                      <a:r>
-                        <a:rPr kumimoji="1" lang="en-US" altLang="ja-JP" sz="1300" dirty="0"/>
-                        <a:t>0.65</a:t>
-                      </a:r>
-                      <a:endParaRPr kumimoji="1" lang="ja-JP" altLang="en-US" sz="1300" dirty="0"/>
-                    </a:p>
-                  </a:txBody>
-                  <a:tcPr marL="47332" marR="47332" marT="23667" marB="23667">
-                    <a:lnR w="12700" cmpd="sng">
-                      <a:noFill/>
-                    </a:lnR>
-                    <a:lnT w="28575" cap="flat" cmpd="sng" algn="ctr">
-                      <a:solidFill>
-                        <a:schemeClr val="tx1"/>
-                      </a:solidFill>
-                      <a:prstDash val="solid"/>
-                      <a:round/>
-                      <a:headEnd type="none" w="med" len="med"/>
-                      <a:tailEnd type="none" w="med" len="med"/>
-                    </a:lnT>
-                  </a:tcPr>
-                </a:tc>
-                <a:extLst>
-                  <a:ext uri="{0D108BD9-81ED-4DB2-BD59-A6C34878D82A}">
-                    <a16:rowId xmlns:a16="http://schemas.microsoft.com/office/drawing/2014/main" val="1033579109"/>
-                  </a:ext>
-                </a:extLst>
-              </a:tr>
-              <a:tr h="247982">
-                <a:tc>
-                  <a:txBody>
-                    <a:bodyPr/>
-                    <a:lstStyle/>
-                    <a:p>
-                      <a:pPr algn="ctr"/>
-                      <a:r>
-                        <a:rPr kumimoji="1" lang="en-US" altLang="ja-JP" sz="1300" baseline="0" dirty="0"/>
-                        <a:t> 2</a:t>
-                      </a:r>
-                      <a:endParaRPr kumimoji="1" lang="ja-JP" altLang="en-US" sz="1300" dirty="0"/>
-                    </a:p>
-                  </a:txBody>
-                  <a:tcPr marL="47332" marR="47332" marT="23667" marB="23667">
-                    <a:lnL w="12700" cmpd="sng">
-                      <a:noFill/>
-                    </a:lnL>
-                  </a:tcPr>
-                </a:tc>
-                <a:tc>
-                  <a:txBody>
-                    <a:bodyPr/>
-                    <a:lstStyle/>
-                    <a:p>
-                      <a:pPr algn="ctr"/>
-                      <a:r>
-                        <a:rPr kumimoji="1" lang="en-US" altLang="ja-JP" sz="1300" dirty="0"/>
-                        <a:t>2.25</a:t>
-                      </a:r>
-                      <a:endParaRPr kumimoji="1" lang="ja-JP" altLang="en-US" sz="1300" dirty="0"/>
-                    </a:p>
-                  </a:txBody>
-                  <a:tcPr marL="47332" marR="47332" marT="23667" marB="23667"/>
-                </a:tc>
-                <a:tc>
-                  <a:txBody>
-                    <a:bodyPr/>
-                    <a:lstStyle/>
-                    <a:p>
-                      <a:pPr algn="ctr"/>
-                      <a:r>
-                        <a:rPr kumimoji="1" lang="en-US" altLang="ja-JP" sz="1300" dirty="0"/>
-                        <a:t>1.02</a:t>
-                      </a:r>
-                      <a:endParaRPr kumimoji="1" lang="ja-JP" altLang="en-US" sz="1300" dirty="0"/>
-                    </a:p>
-                  </a:txBody>
-                  <a:tcPr marL="47332" marR="47332" marT="23667" marB="23667">
-                    <a:lnR w="12700" cmpd="sng">
-                      <a:noFill/>
-                    </a:lnR>
-                  </a:tcPr>
-                </a:tc>
-                <a:extLst>
-                  <a:ext uri="{0D108BD9-81ED-4DB2-BD59-A6C34878D82A}">
-                    <a16:rowId xmlns:a16="http://schemas.microsoft.com/office/drawing/2014/main" val="1213403527"/>
-                  </a:ext>
-                </a:extLst>
-              </a:tr>
-            </a:tbl>
-          </a:graphicData>
-        </a:graphic>
-      </p:graphicFrame>
     </p:spTree>
     <p:extLst>
       <p:ext uri="{BB962C8B-B14F-4D97-AF65-F5344CB8AC3E}">

--- a/中間ポスター.pptx
+++ b/中間ポスター.pptx
@@ -302,7 +302,7 @@
           <a:p>
             <a:fld id="{41C63ABA-7AD4-414B-BAC9-9FD2A004AC76}" type="datetimeFigureOut">
               <a:rPr kumimoji="1" lang="ja-JP" altLang="en-US" smtClean="0"/>
-              <a:t>2025/9/22</a:t>
+              <a:t>2025/9/23</a:t>
             </a:fld>
             <a:endParaRPr kumimoji="1" lang="ja-JP" altLang="en-US" dirty="0"/>
           </a:p>
@@ -502,7 +502,7 @@
           <a:p>
             <a:fld id="{41C63ABA-7AD4-414B-BAC9-9FD2A004AC76}" type="datetimeFigureOut">
               <a:rPr kumimoji="1" lang="ja-JP" altLang="en-US" smtClean="0"/>
-              <a:t>2025/9/22</a:t>
+              <a:t>2025/9/23</a:t>
             </a:fld>
             <a:endParaRPr kumimoji="1" lang="ja-JP" altLang="en-US" dirty="0"/>
           </a:p>
@@ -712,7 +712,7 @@
           <a:p>
             <a:fld id="{41C63ABA-7AD4-414B-BAC9-9FD2A004AC76}" type="datetimeFigureOut">
               <a:rPr kumimoji="1" lang="ja-JP" altLang="en-US" smtClean="0"/>
-              <a:t>2025/9/22</a:t>
+              <a:t>2025/9/23</a:t>
             </a:fld>
             <a:endParaRPr kumimoji="1" lang="ja-JP" altLang="en-US" dirty="0"/>
           </a:p>
@@ -912,7 +912,7 @@
           <a:p>
             <a:fld id="{41C63ABA-7AD4-414B-BAC9-9FD2A004AC76}" type="datetimeFigureOut">
               <a:rPr kumimoji="1" lang="ja-JP" altLang="en-US" smtClean="0"/>
-              <a:t>2025/9/22</a:t>
+              <a:t>2025/9/23</a:t>
             </a:fld>
             <a:endParaRPr kumimoji="1" lang="ja-JP" altLang="en-US" dirty="0"/>
           </a:p>
@@ -1157,7 +1157,7 @@
           <a:p>
             <a:fld id="{41C63ABA-7AD4-414B-BAC9-9FD2A004AC76}" type="datetimeFigureOut">
               <a:rPr kumimoji="1" lang="ja-JP" altLang="en-US" smtClean="0"/>
-              <a:t>2025/9/22</a:t>
+              <a:t>2025/9/23</a:t>
             </a:fld>
             <a:endParaRPr kumimoji="1" lang="ja-JP" altLang="en-US" dirty="0"/>
           </a:p>
@@ -1506,7 +1506,7 @@
           <a:p>
             <a:fld id="{41C63ABA-7AD4-414B-BAC9-9FD2A004AC76}" type="datetimeFigureOut">
               <a:rPr kumimoji="1" lang="ja-JP" altLang="en-US" smtClean="0"/>
-              <a:t>2025/9/22</a:t>
+              <a:t>2025/9/23</a:t>
             </a:fld>
             <a:endParaRPr kumimoji="1" lang="ja-JP" altLang="en-US" dirty="0"/>
           </a:p>
@@ -1994,7 +1994,7 @@
           <a:p>
             <a:fld id="{41C63ABA-7AD4-414B-BAC9-9FD2A004AC76}" type="datetimeFigureOut">
               <a:rPr kumimoji="1" lang="ja-JP" altLang="en-US" smtClean="0"/>
-              <a:t>2025/9/22</a:t>
+              <a:t>2025/9/23</a:t>
             </a:fld>
             <a:endParaRPr kumimoji="1" lang="ja-JP" altLang="en-US" dirty="0"/>
           </a:p>
@@ -2111,7 +2111,7 @@
           <a:p>
             <a:fld id="{41C63ABA-7AD4-414B-BAC9-9FD2A004AC76}" type="datetimeFigureOut">
               <a:rPr kumimoji="1" lang="ja-JP" altLang="en-US" smtClean="0"/>
-              <a:t>2025/9/22</a:t>
+              <a:t>2025/9/23</a:t>
             </a:fld>
             <a:endParaRPr kumimoji="1" lang="ja-JP" altLang="en-US" dirty="0"/>
           </a:p>
@@ -2206,7 +2206,7 @@
           <a:p>
             <a:fld id="{41C63ABA-7AD4-414B-BAC9-9FD2A004AC76}" type="datetimeFigureOut">
               <a:rPr kumimoji="1" lang="ja-JP" altLang="en-US" smtClean="0"/>
-              <a:t>2025/9/22</a:t>
+              <a:t>2025/9/23</a:t>
             </a:fld>
             <a:endParaRPr kumimoji="1" lang="ja-JP" altLang="en-US" dirty="0"/>
           </a:p>
@@ -2513,7 +2513,7 @@
           <a:p>
             <a:fld id="{41C63ABA-7AD4-414B-BAC9-9FD2A004AC76}" type="datetimeFigureOut">
               <a:rPr kumimoji="1" lang="ja-JP" altLang="en-US" smtClean="0"/>
-              <a:t>2025/9/22</a:t>
+              <a:t>2025/9/23</a:t>
             </a:fld>
             <a:endParaRPr kumimoji="1" lang="ja-JP" altLang="en-US" dirty="0"/>
           </a:p>
@@ -2765,7 +2765,7 @@
           <a:p>
             <a:fld id="{41C63ABA-7AD4-414B-BAC9-9FD2A004AC76}" type="datetimeFigureOut">
               <a:rPr kumimoji="1" lang="ja-JP" altLang="en-US" smtClean="0"/>
-              <a:t>2025/9/22</a:t>
+              <a:t>2025/9/23</a:t>
             </a:fld>
             <a:endParaRPr kumimoji="1" lang="ja-JP" altLang="en-US" dirty="0"/>
           </a:p>
@@ -3008,7 +3008,7 @@
           <a:p>
             <a:fld id="{41C63ABA-7AD4-414B-BAC9-9FD2A004AC76}" type="datetimeFigureOut">
               <a:rPr kumimoji="1" lang="ja-JP" altLang="en-US" smtClean="0"/>
-              <a:t>2025/9/22</a:t>
+              <a:t>2025/9/23</a:t>
             </a:fld>
             <a:endParaRPr kumimoji="1" lang="ja-JP" altLang="en-US" dirty="0"/>
           </a:p>
@@ -3407,16 +3407,16 @@
         </p:spPr>
         <p:txBody>
           <a:bodyPr>
-            <a:normAutofit/>
+            <a:normAutofit fontScale="90000"/>
           </a:bodyPr>
           <a:lstStyle/>
           <a:p>
             <a:r>
-              <a:rPr lang="en-US" altLang="ja-JP" sz="2700" dirty="0">
+              <a:rPr lang="en-US" altLang="ja-JP" sz="2300" dirty="0">
                 <a:latin typeface="Arial" panose="020B0604020202020204" pitchFamily="34" charset="0"/>
                 <a:cs typeface="Arial" panose="020B0604020202020204" pitchFamily="34" charset="0"/>
               </a:rPr>
-              <a:t>Tracking skier using ROI and check shin parallelism</a:t>
+              <a:t>Tracking skier using automatic ROI extraction and check shin parallelism</a:t>
             </a:r>
             <a:br>
               <a:rPr kumimoji="1" lang="en-US" altLang="ja-JP" sz="4400" dirty="0">
@@ -3436,7 +3436,7 @@
                 <a:latin typeface="Arial" panose="020B0604020202020204" pitchFamily="34" charset="0"/>
                 <a:cs typeface="Arial" panose="020B0604020202020204" pitchFamily="34" charset="0"/>
               </a:rPr>
-              <a:t>を利用したスキーヤーの追跡と脛の平行判定</a:t>
+              <a:t>の自動抽出を利用したスキーヤーの追跡と脛の平行判定</a:t>
             </a:r>
             <a:br>
               <a:rPr kumimoji="1" lang="en-US" altLang="ja-JP" dirty="0">
@@ -3517,8 +3517,8 @@
         </p:nvSpPr>
         <p:spPr>
           <a:xfrm>
-            <a:off x="105644" y="6520205"/>
-            <a:ext cx="3519830" cy="670455"/>
+            <a:off x="120079" y="6027762"/>
+            <a:ext cx="4529323" cy="670455"/>
           </a:xfrm>
           <a:prstGeom prst="rect">
             <a:avLst/>
@@ -3621,31 +3621,26 @@
         </p:nvSpPr>
         <p:spPr>
           <a:xfrm>
-            <a:off x="490628" y="11508189"/>
-            <a:ext cx="4002286" cy="1009610"/>
+            <a:off x="332536" y="9250650"/>
+            <a:ext cx="4316871" cy="3220345"/>
           </a:xfrm>
           <a:prstGeom prst="rect">
             <a:avLst/>
           </a:prstGeom>
-          <a:solidFill>
-            <a:schemeClr val="bg1"/>
-          </a:solidFill>
-          <a:ln w="9525"/>
+          <a:ln/>
         </p:spPr>
         <p:style>
           <a:lnRef idx="2">
-            <a:schemeClr val="accent1">
-              <a:shade val="50000"/>
-            </a:schemeClr>
+            <a:schemeClr val="accent6"/>
           </a:lnRef>
           <a:fillRef idx="1">
-            <a:schemeClr val="accent1"/>
+            <a:schemeClr val="lt1"/>
           </a:fillRef>
           <a:effectRef idx="0">
-            <a:schemeClr val="accent1"/>
+            <a:schemeClr val="accent6"/>
           </a:effectRef>
           <a:fontRef idx="minor">
-            <a:schemeClr val="lt1"/>
+            <a:schemeClr val="dk1"/>
           </a:fontRef>
         </p:style>
         <p:txBody>
@@ -3653,16 +3648,6 @@
           <a:lstStyle/>
           <a:p>
             <a:pPr algn="ctr"/>
-            <a:r>
-              <a:rPr kumimoji="1" lang="en-US" altLang="ja-JP" sz="1600" dirty="0">
-                <a:solidFill>
-                  <a:schemeClr val="tx1"/>
-                </a:solidFill>
-                <a:latin typeface="Arial" panose="020B0604020202020204" pitchFamily="34" charset="0"/>
-                <a:cs typeface="Arial" panose="020B0604020202020204" pitchFamily="34" charset="0"/>
-              </a:rPr>
-              <a:t>Figures and Tables</a:t>
-            </a:r>
             <a:endParaRPr kumimoji="1" lang="ja-JP" altLang="en-US" sz="1600" dirty="0">
               <a:solidFill>
                 <a:schemeClr val="tx1"/>
@@ -3681,7 +3666,7 @@
         </p:nvSpPr>
         <p:spPr>
           <a:xfrm>
-            <a:off x="5130671" y="9826148"/>
+            <a:off x="5178883" y="9048129"/>
             <a:ext cx="4036727" cy="1546006"/>
           </a:xfrm>
           <a:prstGeom prst="rect">
@@ -3787,8 +3772,8 @@
         </p:nvSpPr>
         <p:spPr>
           <a:xfrm>
-            <a:off x="336104" y="1935041"/>
-            <a:ext cx="3837438" cy="4755148"/>
+            <a:off x="332535" y="1861483"/>
+            <a:ext cx="4310703" cy="4262705"/>
           </a:xfrm>
           <a:prstGeom prst="rect">
             <a:avLst/>
@@ -3839,7 +3824,7 @@
                 <a:latin typeface="Arial" panose="020B0604020202020204" pitchFamily="34" charset="0"/>
                 <a:cs typeface="Arial" panose="020B0604020202020204" pitchFamily="34" charset="0"/>
               </a:rPr>
-              <a:t>In particular, intermediate skiers who have become somewhat proficient in parallel turns often experience a knock-knee, where their upper body momentarily lags behind and they lose parallel shins.</a:t>
+              <a:t>In particular, Intermediate skiers who have become able to perform parallel turns to a certain extent often lose parallel shins because they are unable to create the correct outward lean.</a:t>
             </a:r>
           </a:p>
           <a:p>
@@ -3853,7 +3838,7 @@
                 <a:latin typeface="Arial" panose="020B0604020202020204" pitchFamily="34" charset="0"/>
                 <a:cs typeface="Arial" panose="020B0604020202020204" pitchFamily="34" charset="0"/>
               </a:rPr>
-              <a:t>The goal of my research is to develop a system that makes such momentary mistakes more easily visible, and to have skiers use it to help them identify their mistakes and further improve their technique.</a:t>
+              <a:t>The goal of my research is to develop a system that makes such mistakes more easily visible, and to have skiers use it to help them identify their mistakes and further improve their technique.</a:t>
             </a:r>
             <a:endParaRPr kumimoji="1" lang="en-US" altLang="ja-JP" sz="1600" dirty="0">
               <a:latin typeface="Arial" panose="020B0604020202020204" pitchFamily="34" charset="0"/>
@@ -3870,8 +3855,8 @@
         </p:nvSpPr>
         <p:spPr>
           <a:xfrm>
-            <a:off x="327648" y="7109131"/>
-            <a:ext cx="3960440" cy="3554819"/>
+            <a:off x="338695" y="6589020"/>
+            <a:ext cx="4310709" cy="2708434"/>
           </a:xfrm>
           <a:prstGeom prst="rect">
             <a:avLst/>
@@ -3897,7 +3882,7 @@
                 <a:latin typeface="Arial" panose="020B0604020202020204" pitchFamily="34" charset="0"/>
                 <a:cs typeface="Arial" panose="020B0604020202020204" pitchFamily="34" charset="0"/>
               </a:rPr>
-              <a:t>1. Track the target skier using an ROI.</a:t>
+              <a:t>1. Tracking the target skier using automatic ROI extraction and test it.</a:t>
             </a:r>
           </a:p>
           <a:p>
@@ -3914,7 +3899,21 @@
                 <a:latin typeface="Arial" panose="020B0604020202020204" pitchFamily="34" charset="0"/>
                 <a:cs typeface="Arial" panose="020B0604020202020204" pitchFamily="34" charset="0"/>
               </a:rPr>
-              <a:t>2. Test whether tracking is successful from start to finish.</a:t>
+              <a:t>2. Extract key points to be treated as shins using Pose estimation model that YOLO (2D) and </a:t>
+            </a:r>
+            <a:r>
+              <a:rPr lang="en-US" altLang="ja-JP" sz="1600" dirty="0" err="1">
+                <a:latin typeface="Arial" panose="020B0604020202020204" pitchFamily="34" charset="0"/>
+                <a:cs typeface="Arial" panose="020B0604020202020204" pitchFamily="34" charset="0"/>
+              </a:rPr>
+              <a:t>BlazePose</a:t>
+            </a:r>
+            <a:r>
+              <a:rPr lang="en-US" altLang="ja-JP" sz="1600" dirty="0">
+                <a:latin typeface="Arial" panose="020B0604020202020204" pitchFamily="34" charset="0"/>
+                <a:cs typeface="Arial" panose="020B0604020202020204" pitchFamily="34" charset="0"/>
+              </a:rPr>
+              <a:t> (3D) .</a:t>
             </a:r>
           </a:p>
           <a:p>
@@ -3931,55 +3930,7 @@
                 <a:latin typeface="Arial" panose="020B0604020202020204" pitchFamily="34" charset="0"/>
                 <a:cs typeface="Arial" panose="020B0604020202020204" pitchFamily="34" charset="0"/>
               </a:rPr>
-              <a:t>3. Extract key points for the knees and ankles using Pose estimation model that YOLO (2D) and </a:t>
-            </a:r>
-            <a:r>
-              <a:rPr lang="en-US" altLang="ja-JP" sz="1600" dirty="0" err="1">
-                <a:latin typeface="Arial" panose="020B0604020202020204" pitchFamily="34" charset="0"/>
-                <a:cs typeface="Arial" panose="020B0604020202020204" pitchFamily="34" charset="0"/>
-              </a:rPr>
-              <a:t>BlazePose</a:t>
-            </a:r>
-            <a:r>
-              <a:rPr lang="en-US" altLang="ja-JP" sz="1600" dirty="0">
-                <a:latin typeface="Arial" panose="020B0604020202020204" pitchFamily="34" charset="0"/>
-                <a:cs typeface="Arial" panose="020B0604020202020204" pitchFamily="34" charset="0"/>
-              </a:rPr>
-              <a:t> (3D) </a:t>
-            </a:r>
-          </a:p>
-          <a:p>
-            <a:pPr>
-              <a:lnSpc>
-                <a:spcPts val="1800"/>
-              </a:lnSpc>
-              <a:spcAft>
-                <a:spcPts val="600"/>
-              </a:spcAft>
-            </a:pPr>
-            <a:r>
-              <a:rPr lang="en-US" altLang="ja-JP" sz="1600" dirty="0">
-                <a:latin typeface="Arial" panose="020B0604020202020204" pitchFamily="34" charset="0"/>
-                <a:cs typeface="Arial" panose="020B0604020202020204" pitchFamily="34" charset="0"/>
-              </a:rPr>
-              <a:t>4. Create an algorithm to determine whether the shins are parallel or not.</a:t>
-            </a:r>
-          </a:p>
-          <a:p>
-            <a:pPr>
-              <a:lnSpc>
-                <a:spcPts val="1800"/>
-              </a:lnSpc>
-              <a:spcAft>
-                <a:spcPts val="600"/>
-              </a:spcAft>
-            </a:pPr>
-            <a:r>
-              <a:rPr lang="en-US" altLang="ja-JP" sz="1600" dirty="0">
-                <a:latin typeface="Arial" panose="020B0604020202020204" pitchFamily="34" charset="0"/>
-                <a:cs typeface="Arial" panose="020B0604020202020204" pitchFamily="34" charset="0"/>
-              </a:rPr>
-              <a:t>5. Test whether the algorithm I created performs.</a:t>
+              <a:t>3. Create an algorithm to check whether the shins are parallel or not and test it.</a:t>
             </a:r>
           </a:p>
           <a:p>
@@ -4064,8 +4015,19 @@
                 <a:latin typeface="Arial" panose="020B0604020202020204" pitchFamily="34" charset="0"/>
                 <a:cs typeface="Arial" panose="020B0604020202020204" pitchFamily="34" charset="0"/>
               </a:rPr>
-              <a:t>Tracking skier using ROI</a:t>
-            </a:r>
+              <a:t>Tracking skier using ROI, </a:t>
+            </a:r>
+            <a:r>
+              <a:rPr lang="en-US" altLang="ja-JP" sz="1600" i="1" dirty="0" err="1">
+                <a:latin typeface="Arial" panose="020B0604020202020204" pitchFamily="34" charset="0"/>
+                <a:cs typeface="Arial" panose="020B0604020202020204" pitchFamily="34" charset="0"/>
+              </a:rPr>
+              <a:t>yolo,blaze</a:t>
+            </a:r>
+            <a:endParaRPr lang="en-US" altLang="ja-JP" sz="1600" i="1" dirty="0">
+              <a:latin typeface="Arial" panose="020B0604020202020204" pitchFamily="34" charset="0"/>
+              <a:cs typeface="Arial" panose="020B0604020202020204" pitchFamily="34" charset="0"/>
+            </a:endParaRPr>
           </a:p>
           <a:p>
             <a:pPr>
@@ -4078,8 +4040,19 @@
                 <a:latin typeface="Arial" panose="020B0604020202020204" pitchFamily="34" charset="0"/>
                 <a:cs typeface="Arial" panose="020B0604020202020204" pitchFamily="34" charset="0"/>
               </a:rPr>
-              <a:t>Parallel judgement algorithm</a:t>
-            </a:r>
+              <a:t>Parallel judgement algorithm, </a:t>
+            </a:r>
+            <a:r>
+              <a:rPr lang="en-US" altLang="ja-JP" sz="1600" i="1" dirty="0" err="1">
+                <a:latin typeface="Arial" panose="020B0604020202020204" pitchFamily="34" charset="0"/>
+                <a:cs typeface="Arial" panose="020B0604020202020204" pitchFamily="34" charset="0"/>
+              </a:rPr>
+              <a:t>yolo,blaze</a:t>
+            </a:r>
+            <a:endParaRPr lang="en-US" altLang="ja-JP" sz="1600" i="1" dirty="0">
+              <a:latin typeface="Arial" panose="020B0604020202020204" pitchFamily="34" charset="0"/>
+              <a:cs typeface="Arial" panose="020B0604020202020204" pitchFamily="34" charset="0"/>
+            </a:endParaRPr>
           </a:p>
           <a:p>
             <a:pPr>
@@ -4407,6 +4380,524 @@
             <a:solidFill>
               <a:schemeClr val="accent1"/>
             </a:solidFill>
+          </a:ln>
+        </p:spPr>
+        <p:style>
+          <a:lnRef idx="1">
+            <a:schemeClr val="accent1"/>
+          </a:lnRef>
+          <a:fillRef idx="0">
+            <a:schemeClr val="accent1"/>
+          </a:fillRef>
+          <a:effectRef idx="0">
+            <a:schemeClr val="accent1"/>
+          </a:effectRef>
+          <a:fontRef idx="minor">
+            <a:schemeClr val="tx1"/>
+          </a:fontRef>
+        </p:style>
+      </p:cxnSp>
+      <p:sp>
+        <p:nvSpPr>
+          <p:cNvPr id="3" name="正方形/長方形 2">
+            <a:extLst>
+              <a:ext uri="{FF2B5EF4-FFF2-40B4-BE49-F238E27FC236}">
+                <a16:creationId xmlns:a16="http://schemas.microsoft.com/office/drawing/2014/main" id="{1243782D-4FB4-1C6D-F176-BCA2A92A3D5C}"/>
+              </a:ext>
+            </a:extLst>
+          </p:cNvPr>
+          <p:cNvSpPr/>
+          <p:nvPr/>
+        </p:nvSpPr>
+        <p:spPr>
+          <a:xfrm>
+            <a:off x="2131248" y="9389693"/>
+            <a:ext cx="738975" cy="360040"/>
+          </a:xfrm>
+          <a:prstGeom prst="rect">
+            <a:avLst/>
+          </a:prstGeom>
+        </p:spPr>
+        <p:style>
+          <a:lnRef idx="2">
+            <a:schemeClr val="accent1">
+              <a:shade val="15000"/>
+            </a:schemeClr>
+          </a:lnRef>
+          <a:fillRef idx="1">
+            <a:schemeClr val="accent1"/>
+          </a:fillRef>
+          <a:effectRef idx="0">
+            <a:schemeClr val="accent1"/>
+          </a:effectRef>
+          <a:fontRef idx="minor">
+            <a:schemeClr val="lt1"/>
+          </a:fontRef>
+        </p:style>
+        <p:txBody>
+          <a:bodyPr rtlCol="0" anchor="ctr"/>
+          <a:lstStyle/>
+          <a:p>
+            <a:pPr algn="ctr"/>
+            <a:r>
+              <a:rPr lang="en-US" altLang="ja-JP" sz="2100" dirty="0"/>
+              <a:t>skier</a:t>
+            </a:r>
+            <a:endParaRPr kumimoji="1" lang="ja-JP" altLang="en-US" sz="2100" dirty="0"/>
+          </a:p>
+        </p:txBody>
+      </p:sp>
+      <p:sp>
+        <p:nvSpPr>
+          <p:cNvPr id="11" name="正方形/長方形 10">
+            <a:extLst>
+              <a:ext uri="{FF2B5EF4-FFF2-40B4-BE49-F238E27FC236}">
+                <a16:creationId xmlns:a16="http://schemas.microsoft.com/office/drawing/2014/main" id="{162E14D8-2271-62B2-C992-06CE9B5BE51D}"/>
+              </a:ext>
+            </a:extLst>
+          </p:cNvPr>
+          <p:cNvSpPr/>
+          <p:nvPr/>
+        </p:nvSpPr>
+        <p:spPr>
+          <a:xfrm>
+            <a:off x="843254" y="9906136"/>
+            <a:ext cx="3314961" cy="513466"/>
+          </a:xfrm>
+          <a:prstGeom prst="rect">
+            <a:avLst/>
+          </a:prstGeom>
+        </p:spPr>
+        <p:style>
+          <a:lnRef idx="2">
+            <a:schemeClr val="accent1">
+              <a:shade val="15000"/>
+            </a:schemeClr>
+          </a:lnRef>
+          <a:fillRef idx="1">
+            <a:schemeClr val="accent1"/>
+          </a:fillRef>
+          <a:effectRef idx="0">
+            <a:schemeClr val="accent1"/>
+          </a:effectRef>
+          <a:fontRef idx="minor">
+            <a:schemeClr val="lt1"/>
+          </a:fontRef>
+        </p:style>
+        <p:txBody>
+          <a:bodyPr rtlCol="0" anchor="ctr"/>
+          <a:lstStyle/>
+          <a:p>
+            <a:pPr algn="ctr"/>
+            <a:r>
+              <a:rPr kumimoji="1" lang="en-US" altLang="ja-JP" sz="2100" dirty="0"/>
+              <a:t>YOLO(2D) and </a:t>
+            </a:r>
+            <a:r>
+              <a:rPr kumimoji="1" lang="en-US" altLang="ja-JP" sz="2100" dirty="0" err="1"/>
+              <a:t>BlazePose</a:t>
+            </a:r>
+            <a:r>
+              <a:rPr kumimoji="1" lang="en-US" altLang="ja-JP" sz="2100" dirty="0"/>
+              <a:t>(3D)</a:t>
+            </a:r>
+            <a:endParaRPr kumimoji="1" lang="ja-JP" altLang="en-US" sz="2100" dirty="0"/>
+          </a:p>
+        </p:txBody>
+      </p:sp>
+      <p:sp>
+        <p:nvSpPr>
+          <p:cNvPr id="18" name="正方形/長方形 17">
+            <a:extLst>
+              <a:ext uri="{FF2B5EF4-FFF2-40B4-BE49-F238E27FC236}">
+                <a16:creationId xmlns:a16="http://schemas.microsoft.com/office/drawing/2014/main" id="{FCE33EFF-5C2C-74C1-DCB6-4B722FFCA8C7}"/>
+              </a:ext>
+            </a:extLst>
+          </p:cNvPr>
+          <p:cNvSpPr/>
+          <p:nvPr/>
+        </p:nvSpPr>
+        <p:spPr>
+          <a:xfrm>
+            <a:off x="1489688" y="10604090"/>
+            <a:ext cx="2022092" cy="513467"/>
+          </a:xfrm>
+          <a:prstGeom prst="rect">
+            <a:avLst/>
+          </a:prstGeom>
+        </p:spPr>
+        <p:style>
+          <a:lnRef idx="2">
+            <a:schemeClr val="accent1">
+              <a:shade val="15000"/>
+            </a:schemeClr>
+          </a:lnRef>
+          <a:fillRef idx="1">
+            <a:schemeClr val="accent1"/>
+          </a:fillRef>
+          <a:effectRef idx="0">
+            <a:schemeClr val="accent1"/>
+          </a:effectRef>
+          <a:fontRef idx="minor">
+            <a:schemeClr val="lt1"/>
+          </a:fontRef>
+        </p:style>
+        <p:txBody>
+          <a:bodyPr rtlCol="0" anchor="ctr"/>
+          <a:lstStyle/>
+          <a:p>
+            <a:pPr algn="ctr"/>
+            <a:r>
+              <a:rPr lang="en-US" altLang="ja-JP" sz="2100" dirty="0"/>
+              <a:t>Skeleton of skier</a:t>
+            </a:r>
+            <a:endParaRPr kumimoji="1" lang="ja-JP" altLang="en-US" sz="2100" dirty="0"/>
+          </a:p>
+        </p:txBody>
+      </p:sp>
+      <p:sp>
+        <p:nvSpPr>
+          <p:cNvPr id="20" name="正方形/長方形 19">
+            <a:extLst>
+              <a:ext uri="{FF2B5EF4-FFF2-40B4-BE49-F238E27FC236}">
+                <a16:creationId xmlns:a16="http://schemas.microsoft.com/office/drawing/2014/main" id="{AF684959-FCBD-E091-800A-231766BCFE2B}"/>
+              </a:ext>
+            </a:extLst>
+          </p:cNvPr>
+          <p:cNvSpPr/>
+          <p:nvPr/>
+        </p:nvSpPr>
+        <p:spPr>
+          <a:xfrm>
+            <a:off x="420545" y="11333057"/>
+            <a:ext cx="4160377" cy="351780"/>
+          </a:xfrm>
+          <a:prstGeom prst="rect">
+            <a:avLst/>
+          </a:prstGeom>
+        </p:spPr>
+        <p:style>
+          <a:lnRef idx="2">
+            <a:schemeClr val="accent1">
+              <a:shade val="15000"/>
+            </a:schemeClr>
+          </a:lnRef>
+          <a:fillRef idx="1">
+            <a:schemeClr val="accent1"/>
+          </a:fillRef>
+          <a:effectRef idx="0">
+            <a:schemeClr val="accent1"/>
+          </a:effectRef>
+          <a:fontRef idx="minor">
+            <a:schemeClr val="lt1"/>
+          </a:fontRef>
+        </p:style>
+        <p:txBody>
+          <a:bodyPr rtlCol="0" anchor="ctr"/>
+          <a:lstStyle/>
+          <a:p>
+            <a:pPr algn="ctr"/>
+            <a:r>
+              <a:rPr lang="en-US" altLang="ja-JP" sz="1900" dirty="0"/>
+              <a:t>Algorithm for checking shins are parallel</a:t>
+            </a:r>
+            <a:endParaRPr kumimoji="1" lang="ja-JP" altLang="en-US" sz="1900" dirty="0"/>
+          </a:p>
+        </p:txBody>
+      </p:sp>
+      <p:sp>
+        <p:nvSpPr>
+          <p:cNvPr id="21" name="正方形/長方形 20">
+            <a:extLst>
+              <a:ext uri="{FF2B5EF4-FFF2-40B4-BE49-F238E27FC236}">
+                <a16:creationId xmlns:a16="http://schemas.microsoft.com/office/drawing/2014/main" id="{8FFBB2B5-0167-FA57-3D32-10A8989CC0D0}"/>
+              </a:ext>
+            </a:extLst>
+          </p:cNvPr>
+          <p:cNvSpPr/>
+          <p:nvPr/>
+        </p:nvSpPr>
+        <p:spPr>
+          <a:xfrm>
+            <a:off x="1127525" y="12011424"/>
+            <a:ext cx="1003723" cy="308120"/>
+          </a:xfrm>
+          <a:prstGeom prst="rect">
+            <a:avLst/>
+          </a:prstGeom>
+        </p:spPr>
+        <p:style>
+          <a:lnRef idx="2">
+            <a:schemeClr val="accent1">
+              <a:shade val="15000"/>
+            </a:schemeClr>
+          </a:lnRef>
+          <a:fillRef idx="1">
+            <a:schemeClr val="accent1"/>
+          </a:fillRef>
+          <a:effectRef idx="0">
+            <a:schemeClr val="accent1"/>
+          </a:effectRef>
+          <a:fontRef idx="minor">
+            <a:schemeClr val="lt1"/>
+          </a:fontRef>
+        </p:style>
+        <p:txBody>
+          <a:bodyPr rtlCol="0" anchor="ctr"/>
+          <a:lstStyle/>
+          <a:p>
+            <a:pPr algn="ctr"/>
+            <a:r>
+              <a:rPr lang="en-US" altLang="ja-JP" sz="2100" dirty="0"/>
+              <a:t>Parallel</a:t>
+            </a:r>
+            <a:endParaRPr kumimoji="1" lang="ja-JP" altLang="en-US" sz="2100" dirty="0"/>
+          </a:p>
+        </p:txBody>
+      </p:sp>
+      <p:sp>
+        <p:nvSpPr>
+          <p:cNvPr id="22" name="正方形/長方形 21">
+            <a:extLst>
+              <a:ext uri="{FF2B5EF4-FFF2-40B4-BE49-F238E27FC236}">
+                <a16:creationId xmlns:a16="http://schemas.microsoft.com/office/drawing/2014/main" id="{B1D28913-9692-B5BB-35CF-44DAD7C8595F}"/>
+              </a:ext>
+            </a:extLst>
+          </p:cNvPr>
+          <p:cNvSpPr/>
+          <p:nvPr/>
+        </p:nvSpPr>
+        <p:spPr>
+          <a:xfrm>
+            <a:off x="2872852" y="12011424"/>
+            <a:ext cx="1549466" cy="308120"/>
+          </a:xfrm>
+          <a:prstGeom prst="rect">
+            <a:avLst/>
+          </a:prstGeom>
+        </p:spPr>
+        <p:style>
+          <a:lnRef idx="2">
+            <a:schemeClr val="accent1">
+              <a:shade val="15000"/>
+            </a:schemeClr>
+          </a:lnRef>
+          <a:fillRef idx="1">
+            <a:schemeClr val="accent1"/>
+          </a:fillRef>
+          <a:effectRef idx="0">
+            <a:schemeClr val="accent1"/>
+          </a:effectRef>
+          <a:fontRef idx="minor">
+            <a:schemeClr val="lt1"/>
+          </a:fontRef>
+        </p:style>
+        <p:txBody>
+          <a:bodyPr rtlCol="0" anchor="ctr"/>
+          <a:lstStyle/>
+          <a:p>
+            <a:pPr algn="ctr"/>
+            <a:r>
+              <a:rPr lang="en-US" altLang="ja-JP" sz="2100" dirty="0"/>
+              <a:t>Not parallel</a:t>
+            </a:r>
+            <a:endParaRPr kumimoji="1" lang="ja-JP" altLang="en-US" sz="2100" dirty="0"/>
+          </a:p>
+        </p:txBody>
+      </p:sp>
+      <p:cxnSp>
+        <p:nvCxnSpPr>
+          <p:cNvPr id="28" name="直線矢印コネクタ 27">
+            <a:extLst>
+              <a:ext uri="{FF2B5EF4-FFF2-40B4-BE49-F238E27FC236}">
+                <a16:creationId xmlns:a16="http://schemas.microsoft.com/office/drawing/2014/main" id="{28F6CDEE-F10D-856B-33B5-7389F57EC990}"/>
+              </a:ext>
+            </a:extLst>
+          </p:cNvPr>
+          <p:cNvCxnSpPr>
+            <a:stCxn id="3" idx="2"/>
+            <a:endCxn id="11" idx="0"/>
+          </p:cNvCxnSpPr>
+          <p:nvPr/>
+        </p:nvCxnSpPr>
+        <p:spPr>
+          <a:xfrm flipH="1">
+            <a:off x="2500735" y="9749733"/>
+            <a:ext cx="1" cy="156403"/>
+          </a:xfrm>
+          <a:prstGeom prst="straightConnector1">
+            <a:avLst/>
+          </a:prstGeom>
+          <a:ln>
+            <a:tailEnd type="triangle"/>
+          </a:ln>
+        </p:spPr>
+        <p:style>
+          <a:lnRef idx="1">
+            <a:schemeClr val="accent1"/>
+          </a:lnRef>
+          <a:fillRef idx="0">
+            <a:schemeClr val="accent1"/>
+          </a:fillRef>
+          <a:effectRef idx="0">
+            <a:schemeClr val="accent1"/>
+          </a:effectRef>
+          <a:fontRef idx="minor">
+            <a:schemeClr val="tx1"/>
+          </a:fontRef>
+        </p:style>
+      </p:cxnSp>
+      <p:cxnSp>
+        <p:nvCxnSpPr>
+          <p:cNvPr id="30" name="直線矢印コネクタ 29">
+            <a:extLst>
+              <a:ext uri="{FF2B5EF4-FFF2-40B4-BE49-F238E27FC236}">
+                <a16:creationId xmlns:a16="http://schemas.microsoft.com/office/drawing/2014/main" id="{2A7008D2-40F1-74F1-AB9F-707F00F99CA6}"/>
+              </a:ext>
+            </a:extLst>
+          </p:cNvPr>
+          <p:cNvCxnSpPr>
+            <a:cxnSpLocks/>
+            <a:stCxn id="11" idx="2"/>
+            <a:endCxn id="18" idx="0"/>
+          </p:cNvCxnSpPr>
+          <p:nvPr/>
+        </p:nvCxnSpPr>
+        <p:spPr>
+          <a:xfrm flipH="1">
+            <a:off x="2500734" y="10419602"/>
+            <a:ext cx="1" cy="184488"/>
+          </a:xfrm>
+          <a:prstGeom prst="straightConnector1">
+            <a:avLst/>
+          </a:prstGeom>
+          <a:ln>
+            <a:tailEnd type="triangle"/>
+          </a:ln>
+        </p:spPr>
+        <p:style>
+          <a:lnRef idx="1">
+            <a:schemeClr val="accent1"/>
+          </a:lnRef>
+          <a:fillRef idx="0">
+            <a:schemeClr val="accent1"/>
+          </a:fillRef>
+          <a:effectRef idx="0">
+            <a:schemeClr val="accent1"/>
+          </a:effectRef>
+          <a:fontRef idx="minor">
+            <a:schemeClr val="tx1"/>
+          </a:fontRef>
+        </p:style>
+      </p:cxnSp>
+      <p:cxnSp>
+        <p:nvCxnSpPr>
+          <p:cNvPr id="32" name="直線矢印コネクタ 31">
+            <a:extLst>
+              <a:ext uri="{FF2B5EF4-FFF2-40B4-BE49-F238E27FC236}">
+                <a16:creationId xmlns:a16="http://schemas.microsoft.com/office/drawing/2014/main" id="{50F04282-D2AB-103E-D047-74BD699F900D}"/>
+              </a:ext>
+            </a:extLst>
+          </p:cNvPr>
+          <p:cNvCxnSpPr>
+            <a:cxnSpLocks/>
+            <a:stCxn id="18" idx="2"/>
+            <a:endCxn id="20" idx="0"/>
+          </p:cNvCxnSpPr>
+          <p:nvPr/>
+        </p:nvCxnSpPr>
+        <p:spPr>
+          <a:xfrm>
+            <a:off x="2500734" y="11117557"/>
+            <a:ext cx="0" cy="215500"/>
+          </a:xfrm>
+          <a:prstGeom prst="straightConnector1">
+            <a:avLst/>
+          </a:prstGeom>
+          <a:ln>
+            <a:tailEnd type="triangle"/>
+          </a:ln>
+        </p:spPr>
+        <p:style>
+          <a:lnRef idx="1">
+            <a:schemeClr val="accent1"/>
+          </a:lnRef>
+          <a:fillRef idx="0">
+            <a:schemeClr val="accent1"/>
+          </a:fillRef>
+          <a:effectRef idx="0">
+            <a:schemeClr val="accent1"/>
+          </a:effectRef>
+          <a:fontRef idx="minor">
+            <a:schemeClr val="tx1"/>
+          </a:fontRef>
+        </p:style>
+      </p:cxnSp>
+      <p:cxnSp>
+        <p:nvCxnSpPr>
+          <p:cNvPr id="34" name="直線矢印コネクタ 33">
+            <a:extLst>
+              <a:ext uri="{FF2B5EF4-FFF2-40B4-BE49-F238E27FC236}">
+                <a16:creationId xmlns:a16="http://schemas.microsoft.com/office/drawing/2014/main" id="{B21A2450-84D9-8E38-FFBF-8C322B86F61D}"/>
+              </a:ext>
+            </a:extLst>
+          </p:cNvPr>
+          <p:cNvCxnSpPr>
+            <a:stCxn id="20" idx="2"/>
+          </p:cNvCxnSpPr>
+          <p:nvPr/>
+        </p:nvCxnSpPr>
+        <p:spPr>
+          <a:xfrm flipH="1">
+            <a:off x="1629386" y="11684837"/>
+            <a:ext cx="871348" cy="326587"/>
+          </a:xfrm>
+          <a:prstGeom prst="straightConnector1">
+            <a:avLst/>
+          </a:prstGeom>
+          <a:ln>
+            <a:tailEnd type="triangle"/>
+          </a:ln>
+        </p:spPr>
+        <p:style>
+          <a:lnRef idx="1">
+            <a:schemeClr val="accent1"/>
+          </a:lnRef>
+          <a:fillRef idx="0">
+            <a:schemeClr val="accent1"/>
+          </a:fillRef>
+          <a:effectRef idx="0">
+            <a:schemeClr val="accent1"/>
+          </a:effectRef>
+          <a:fontRef idx="minor">
+            <a:schemeClr val="tx1"/>
+          </a:fontRef>
+        </p:style>
+      </p:cxnSp>
+      <p:cxnSp>
+        <p:nvCxnSpPr>
+          <p:cNvPr id="36" name="直線矢印コネクタ 35">
+            <a:extLst>
+              <a:ext uri="{FF2B5EF4-FFF2-40B4-BE49-F238E27FC236}">
+                <a16:creationId xmlns:a16="http://schemas.microsoft.com/office/drawing/2014/main" id="{E7D7F9DD-9901-82B1-2AF8-83D2EEA3E0D3}"/>
+              </a:ext>
+            </a:extLst>
+          </p:cNvPr>
+          <p:cNvCxnSpPr>
+            <a:endCxn id="22" idx="0"/>
+          </p:cNvCxnSpPr>
+          <p:nvPr/>
+        </p:nvCxnSpPr>
+        <p:spPr>
+          <a:xfrm>
+            <a:off x="2500733" y="11684837"/>
+            <a:ext cx="1146852" cy="326587"/>
+          </a:xfrm>
+          <a:prstGeom prst="straightConnector1">
+            <a:avLst/>
+          </a:prstGeom>
+          <a:ln>
+            <a:tailEnd type="triangle"/>
           </a:ln>
         </p:spPr>
         <p:style>
